--- a/TP/01_Induction_NAO/Cy_05_Ene_TP_Energetique.pptx
+++ b/TP/01_Induction_NAO/Cy_05_Ene_TP_Energetique.pptx
@@ -5,22 +5,23 @@
     <p:sldMasterId id="2147483684" r:id="rId1"/>
   </p:sldMasterIdLst>
   <p:notesMasterIdLst>
-    <p:notesMasterId r:id="rId15"/>
+    <p:notesMasterId r:id="rId16"/>
   </p:notesMasterIdLst>
   <p:sldIdLst>
     <p:sldId id="256" r:id="rId2"/>
     <p:sldId id="322" r:id="rId3"/>
     <p:sldId id="323" r:id="rId4"/>
-    <p:sldId id="311" r:id="rId5"/>
-    <p:sldId id="312" r:id="rId6"/>
-    <p:sldId id="313" r:id="rId7"/>
-    <p:sldId id="316" r:id="rId8"/>
-    <p:sldId id="314" r:id="rId9"/>
-    <p:sldId id="318" r:id="rId10"/>
-    <p:sldId id="319" r:id="rId11"/>
-    <p:sldId id="317" r:id="rId12"/>
-    <p:sldId id="321" r:id="rId13"/>
-    <p:sldId id="310" r:id="rId14"/>
+    <p:sldId id="324" r:id="rId5"/>
+    <p:sldId id="311" r:id="rId6"/>
+    <p:sldId id="312" r:id="rId7"/>
+    <p:sldId id="313" r:id="rId8"/>
+    <p:sldId id="316" r:id="rId9"/>
+    <p:sldId id="314" r:id="rId10"/>
+    <p:sldId id="318" r:id="rId11"/>
+    <p:sldId id="319" r:id="rId12"/>
+    <p:sldId id="317" r:id="rId13"/>
+    <p:sldId id="321" r:id="rId14"/>
+    <p:sldId id="310" r:id="rId15"/>
   </p:sldIdLst>
   <p:sldSz cx="9144000" cy="6858000" type="screen4x3"/>
   <p:notesSz cx="6858000" cy="9144000"/>
@@ -121,7 +122,7 @@
   </p:defaultTextStyle>
   <p:extLst>
     <p:ext uri="{EFAFB233-063F-42B5-8137-9DF3F51BA10A}">
-      <p15:sldGuideLst xmlns:p15="http://schemas.microsoft.com/office/powerpoint/2012/main" xmlns="">
+      <p15:sldGuideLst xmlns="" xmlns:p15="http://schemas.microsoft.com/office/powerpoint/2012/main">
         <p15:guide id="1" orient="horz" pos="2160">
           <p15:clr>
             <a:srgbClr val="A4A3A4"/>
@@ -245,11 +246,11 @@
           <c:showPercent val="0"/>
           <c:showBubbleSize val="0"/>
         </c:dLbls>
-        <c:axId val="90938112"/>
-        <c:axId val="90938688"/>
+        <c:axId val="9855744"/>
+        <c:axId val="9857664"/>
       </c:scatterChart>
       <c:valAx>
-        <c:axId val="90938112"/>
+        <c:axId val="9855744"/>
         <c:scaling>
           <c:orientation val="minMax"/>
         </c:scaling>
@@ -278,12 +279,12 @@
         <c:majorTickMark val="none"/>
         <c:minorTickMark val="none"/>
         <c:tickLblPos val="nextTo"/>
-        <c:crossAx val="90938688"/>
+        <c:crossAx val="9857664"/>
         <c:crosses val="autoZero"/>
         <c:crossBetween val="midCat"/>
       </c:valAx>
       <c:valAx>
-        <c:axId val="90938688"/>
+        <c:axId val="9857664"/>
         <c:scaling>
           <c:orientation val="minMax"/>
         </c:scaling>
@@ -313,7 +314,7 @@
         <c:majorTickMark val="none"/>
         <c:minorTickMark val="none"/>
         <c:tickLblPos val="nextTo"/>
-        <c:crossAx val="90938112"/>
+        <c:crossAx val="9855744"/>
         <c:crosses val="autoZero"/>
         <c:crossBetween val="midCat"/>
       </c:valAx>
@@ -423,11 +424,11 @@
           <c:showPercent val="0"/>
           <c:showBubbleSize val="0"/>
         </c:dLbls>
-        <c:axId val="128108800"/>
-        <c:axId val="128109376"/>
+        <c:axId val="149488000"/>
+        <c:axId val="149489920"/>
       </c:scatterChart>
       <c:valAx>
-        <c:axId val="128108800"/>
+        <c:axId val="149488000"/>
         <c:scaling>
           <c:orientation val="minMax"/>
         </c:scaling>
@@ -456,12 +457,12 @@
         <c:majorTickMark val="none"/>
         <c:minorTickMark val="none"/>
         <c:tickLblPos val="nextTo"/>
-        <c:crossAx val="128109376"/>
+        <c:crossAx val="149489920"/>
         <c:crosses val="autoZero"/>
         <c:crossBetween val="midCat"/>
       </c:valAx>
       <c:valAx>
-        <c:axId val="128109376"/>
+        <c:axId val="149489920"/>
         <c:scaling>
           <c:orientation val="minMax"/>
         </c:scaling>
@@ -491,7 +492,7 @@
         <c:majorTickMark val="none"/>
         <c:minorTickMark val="none"/>
         <c:tickLblPos val="nextTo"/>
-        <c:crossAx val="128108800"/>
+        <c:crossAx val="149488000"/>
         <c:crosses val="autoZero"/>
         <c:crossBetween val="midCat"/>
       </c:valAx>
@@ -589,7 +590,7 @@
             <a:fld id="{E494A05E-DEA9-4CEA-A63B-3593EEF3AC45}" type="datetimeFigureOut">
               <a:rPr lang="fr-FR" smtClean="0"/>
               <a:pPr/>
-              <a:t>12/01/2018</a:t>
+              <a:t>29/01/2018</a:t>
             </a:fld>
             <a:endParaRPr lang="fr-FR"/>
           </a:p>
@@ -1089,7 +1090,7 @@
             <a:fld id="{3A961F90-11F6-4966-B0E5-2BB20F714B78}" type="datetime1">
               <a:rPr lang="fr-FR" smtClean="0"/>
               <a:pPr/>
-              <a:t>12/01/2018</a:t>
+              <a:t>29/01/2018</a:t>
             </a:fld>
             <a:endParaRPr lang="fr-FR"/>
           </a:p>
@@ -1450,7 +1451,7 @@
             <a:fld id="{59700BD1-A4B5-444B-B773-B4FDD97DF200}" type="datetime1">
               <a:rPr lang="fr-FR" smtClean="0"/>
               <a:pPr/>
-              <a:t>12/01/2018</a:t>
+              <a:t>29/01/2018</a:t>
             </a:fld>
             <a:endParaRPr lang="fr-FR"/>
           </a:p>
@@ -1627,7 +1628,7 @@
             <a:fld id="{A354AF49-C35E-40F6-8345-CA866716EE79}" type="datetime1">
               <a:rPr lang="fr-FR" smtClean="0"/>
               <a:pPr/>
-              <a:t>12/01/2018</a:t>
+              <a:t>29/01/2018</a:t>
             </a:fld>
             <a:endParaRPr lang="fr-FR"/>
           </a:p>
@@ -1864,7 +1865,7 @@
             <a:fld id="{EAFEF7E1-4A71-4560-AA4D-33BBAAF32357}" type="datetime1">
               <a:rPr lang="fr-FR" smtClean="0"/>
               <a:pPr/>
-              <a:t>12/01/2018</a:t>
+              <a:t>29/01/2018</a:t>
             </a:fld>
             <a:endParaRPr lang="fr-FR"/>
           </a:p>
@@ -2135,7 +2136,7 @@
             <a:fld id="{9BE6CECE-C4BA-493A-9F45-8F69D8200EC9}" type="datetime1">
               <a:rPr lang="fr-FR" smtClean="0"/>
               <a:pPr/>
-              <a:t>12/01/2018</a:t>
+              <a:t>29/01/2018</a:t>
             </a:fld>
             <a:endParaRPr lang="fr-FR"/>
           </a:p>
@@ -2357,7 +2358,7 @@
             <a:fld id="{6B400324-51BB-4021-B482-6C084AB66459}" type="datetime1">
               <a:rPr lang="fr-FR" smtClean="0"/>
               <a:pPr/>
-              <a:t>12/01/2018</a:t>
+              <a:t>29/01/2018</a:t>
             </a:fld>
             <a:endParaRPr lang="fr-FR"/>
           </a:p>
@@ -2711,7 +2712,7 @@
             <a:fld id="{87C4A39B-E1E0-4B19-A965-1E1097FB3AF3}" type="datetime1">
               <a:rPr lang="fr-FR" smtClean="0"/>
               <a:pPr/>
-              <a:t>12/01/2018</a:t>
+              <a:t>29/01/2018</a:t>
             </a:fld>
             <a:endParaRPr lang="fr-FR"/>
           </a:p>
@@ -2945,7 +2946,7 @@
             <a:fld id="{CEF5A761-699F-4B94-BA43-1E8C0C9C554B}" type="datetime1">
               <a:rPr lang="fr-FR" smtClean="0"/>
               <a:pPr/>
-              <a:t>12/01/2018</a:t>
+              <a:t>29/01/2018</a:t>
             </a:fld>
             <a:endParaRPr lang="fr-FR"/>
           </a:p>
@@ -3087,7 +3088,7 @@
             <a:fld id="{E407DE65-0759-4C9C-9804-8C4C0AC5F8D7}" type="datetime1">
               <a:rPr lang="fr-FR" smtClean="0"/>
               <a:pPr/>
-              <a:t>12/01/2018</a:t>
+              <a:t>29/01/2018</a:t>
             </a:fld>
             <a:endParaRPr lang="fr-FR"/>
           </a:p>
@@ -3366,7 +3367,7 @@
             <a:fld id="{6DCAF433-E5EB-4B74-B8BB-3F6D9EEAE800}" type="datetime1">
               <a:rPr lang="fr-FR" smtClean="0"/>
               <a:pPr/>
-              <a:t>12/01/2018</a:t>
+              <a:t>29/01/2018</a:t>
             </a:fld>
             <a:endParaRPr lang="fr-FR"/>
           </a:p>
@@ -3775,7 +3776,7 @@
             <a:fld id="{E5AEAC06-18E9-471A-B77A-CDA5C363BF1F}" type="datetime1">
               <a:rPr lang="fr-FR" smtClean="0"/>
               <a:pPr/>
-              <a:t>12/01/2018</a:t>
+              <a:t>29/01/2018</a:t>
             </a:fld>
             <a:endParaRPr lang="fr-FR"/>
           </a:p>
@@ -4115,7 +4116,7 @@
             <a:fld id="{B9178431-C703-4FD6-9F6F-E8F5512852E2}" type="datetime1">
               <a:rPr lang="fr-FR" smtClean="0"/>
               <a:pPr/>
-              <a:t>12/01/2018</a:t>
+              <a:t>29/01/2018</a:t>
             </a:fld>
             <a:endParaRPr lang="fr-FR"/>
           </a:p>
@@ -5120,6 +5121,349 @@
           <a:p>
             <a:r>
               <a:rPr lang="fr-FR" sz="2800" dirty="0"/>
+              <a:t>Caractérisation du frottement fluide</a:t>
+            </a:r>
+          </a:p>
+        </p:txBody>
+      </p:sp>
+      <p:sp>
+        <p:nvSpPr>
+          <p:cNvPr id="3" name="Espace réservé du numéro de diapositive 2"/>
+          <p:cNvSpPr>
+            <a:spLocks noGrp="1"/>
+          </p:cNvSpPr>
+          <p:nvPr>
+            <p:ph type="sldNum" sz="quarter" idx="12"/>
+          </p:nvPr>
+        </p:nvSpPr>
+        <p:spPr/>
+        <p:txBody>
+          <a:bodyPr/>
+          <a:lstStyle/>
+          <a:p>
+            <a:fld id="{3F1D8263-54E8-442D-88B4-DA252C595E3D}" type="slidenum">
+              <a:rPr lang="fr-FR" smtClean="0"/>
+              <a:pPr/>
+              <a:t>10</a:t>
+            </a:fld>
+            <a:endParaRPr lang="fr-FR"/>
+          </a:p>
+        </p:txBody>
+      </p:sp>
+      <mc:AlternateContent xmlns:mc="http://schemas.openxmlformats.org/markup-compatibility/2006" xmlns:a14="http://schemas.microsoft.com/office/drawing/2010/main">
+        <mc:Choice Requires="a14">
+          <p:sp>
+            <p:nvSpPr>
+              <p:cNvPr id="4" name="Espace réservé du contenu 3"/>
+              <p:cNvSpPr>
+                <a:spLocks noGrp="1"/>
+              </p:cNvSpPr>
+              <p:nvPr>
+                <p:ph sz="quarter" idx="1"/>
+              </p:nvPr>
+            </p:nvSpPr>
+            <p:spPr>
+              <a:xfrm>
+                <a:off x="457200" y="1219200"/>
+                <a:ext cx="8363272" cy="4937760"/>
+              </a:xfrm>
+            </p:spPr>
+            <p:txBody>
+              <a:bodyPr>
+                <a:normAutofit/>
+              </a:bodyPr>
+              <a:lstStyle/>
+              <a:p>
+                <a:r>
+                  <a:rPr lang="fr-FR" dirty="0"/>
+                  <a:t>Hypothèse : modèle de frottement fluide </a:t>
+                </a:r>
+                <a14:m>
+                  <m:oMath xmlns:m="http://schemas.openxmlformats.org/officeDocument/2006/math">
+                    <m:sSub>
+                      <m:sSubPr>
+                        <m:ctrlPr>
+                          <a:rPr lang="fr-FR" b="0" i="1" smtClean="0">
+                            <a:latin typeface="Cambria Math"/>
+                          </a:rPr>
+                        </m:ctrlPr>
+                      </m:sSubPr>
+                      <m:e>
+                        <m:r>
+                          <a:rPr lang="fr-FR" b="0" i="1" smtClean="0">
+                            <a:latin typeface="Cambria Math" panose="02040503050406030204" pitchFamily="18" charset="0"/>
+                          </a:rPr>
+                          <m:t>𝐶</m:t>
+                        </m:r>
+                      </m:e>
+                      <m:sub>
+                        <m:r>
+                          <a:rPr lang="fr-FR" b="0" i="1" smtClean="0">
+                            <a:latin typeface="Cambria Math" panose="02040503050406030204" pitchFamily="18" charset="0"/>
+                          </a:rPr>
+                          <m:t>𝑣</m:t>
+                        </m:r>
+                      </m:sub>
+                    </m:sSub>
+                    <m:r>
+                      <a:rPr lang="fr-FR" b="0" i="1" smtClean="0">
+                        <a:latin typeface="Cambria Math" panose="02040503050406030204" pitchFamily="18" charset="0"/>
+                      </a:rPr>
+                      <m:t>=</m:t>
+                    </m:r>
+                    <m:sSub>
+                      <m:sSubPr>
+                        <m:ctrlPr>
+                          <a:rPr lang="fr-FR" b="0" i="1" smtClean="0">
+                            <a:latin typeface="Cambria Math"/>
+                          </a:rPr>
+                        </m:ctrlPr>
+                      </m:sSubPr>
+                      <m:e>
+                        <m:r>
+                          <a:rPr lang="fr-FR" b="0" i="1" smtClean="0">
+                            <a:latin typeface="Cambria Math" panose="02040503050406030204" pitchFamily="18" charset="0"/>
+                          </a:rPr>
+                          <m:t>𝑘</m:t>
+                        </m:r>
+                      </m:e>
+                      <m:sub>
+                        <m:r>
+                          <a:rPr lang="fr-FR" b="0" i="1" smtClean="0">
+                            <a:latin typeface="Cambria Math" panose="02040503050406030204" pitchFamily="18" charset="0"/>
+                          </a:rPr>
+                          <m:t>𝑣</m:t>
+                        </m:r>
+                      </m:sub>
+                    </m:sSub>
+                    <m:r>
+                      <a:rPr lang="fr-FR" b="0" i="1" smtClean="0">
+                        <a:latin typeface="Cambria Math" panose="02040503050406030204" pitchFamily="18" charset="0"/>
+                      </a:rPr>
+                      <m:t>𝜔</m:t>
+                    </m:r>
+                  </m:oMath>
+                </a14:m>
+                <a:endParaRPr lang="fr-FR" dirty="0"/>
+              </a:p>
+              <a:p>
+                <a:pPr lvl="2"/>
+                <a:r>
+                  <a:rPr lang="fr-FR" dirty="0"/>
+                  <a:t>Expérimentation possible : </a:t>
+                </a:r>
+                <a:endParaRPr lang="fr-FR" dirty="0" smtClean="0"/>
+              </a:p>
+              <a:p>
+                <a:pPr lvl="3"/>
+                <a:r>
+                  <a:rPr lang="fr-FR" dirty="0" smtClean="0"/>
+                  <a:t>1</a:t>
+                </a:r>
+              </a:p>
+              <a:p>
+                <a:pPr lvl="4"/>
+                <a:r>
+                  <a:rPr lang="fr-FR" dirty="0" smtClean="0"/>
+                  <a:t>Chute libre d’une masse</a:t>
+                </a:r>
+              </a:p>
+              <a:p>
+                <a:pPr lvl="3"/>
+                <a:r>
+                  <a:rPr lang="fr-FR" dirty="0"/>
+                  <a:t>2</a:t>
+                </a:r>
+              </a:p>
+              <a:p>
+                <a:pPr lvl="4"/>
+                <a:r>
+                  <a:rPr lang="fr-FR" dirty="0"/>
+                  <a:t>Piloter la cheville à vitesse constante (en RP)</a:t>
+                </a:r>
+              </a:p>
+              <a:p>
+                <a:pPr lvl="4"/>
+                <a:r>
+                  <a:rPr lang="fr-FR" dirty="0"/>
+                  <a:t>Mesurer le couple en utilisant le courant consommé par le moteur</a:t>
+                </a:r>
+              </a:p>
+              <a:p>
+                <a:pPr lvl="3"/>
+                <a:endParaRPr lang="fr-FR" dirty="0"/>
+              </a:p>
+              <a:p>
+                <a:pPr lvl="2"/>
+                <a:r>
+                  <a:rPr lang="fr-FR" dirty="0"/>
+                  <a:t>Résultat : on trace une courbe avec </a:t>
+                </a:r>
+                <a14:m>
+                  <m:oMath xmlns:m="http://schemas.openxmlformats.org/officeDocument/2006/math">
+                    <m:sSub>
+                      <m:sSubPr>
+                        <m:ctrlPr>
+                          <a:rPr lang="fr-FR" i="1">
+                            <a:latin typeface="Cambria Math"/>
+                          </a:rPr>
+                        </m:ctrlPr>
+                      </m:sSubPr>
+                      <m:e>
+                        <m:r>
+                          <a:rPr lang="fr-FR" i="1">
+                            <a:latin typeface="Cambria Math" panose="02040503050406030204" pitchFamily="18" charset="0"/>
+                          </a:rPr>
+                          <m:t>𝐶</m:t>
+                        </m:r>
+                      </m:e>
+                      <m:sub>
+                        <m:r>
+                          <a:rPr lang="fr-FR" i="1">
+                            <a:latin typeface="Cambria Math" panose="02040503050406030204" pitchFamily="18" charset="0"/>
+                          </a:rPr>
+                          <m:t>𝑣</m:t>
+                        </m:r>
+                      </m:sub>
+                    </m:sSub>
+                  </m:oMath>
+                </a14:m>
+                <a:r>
+                  <a:rPr lang="fr-FR" dirty="0"/>
+                  <a:t> en ordonnée et </a:t>
+                </a:r>
+                <a14:m>
+                  <m:oMath xmlns:m="http://schemas.openxmlformats.org/officeDocument/2006/math">
+                    <m:r>
+                      <a:rPr lang="fr-FR" i="1">
+                        <a:latin typeface="Cambria Math" panose="02040503050406030204" pitchFamily="18" charset="0"/>
+                      </a:rPr>
+                      <m:t>𝜔</m:t>
+                    </m:r>
+                  </m:oMath>
+                </a14:m>
+                <a:r>
+                  <a:rPr lang="fr-FR" dirty="0"/>
+                  <a:t> en abscisse. </a:t>
+                </a:r>
+              </a:p>
+              <a:p>
+                <a:pPr lvl="2"/>
+                <a:r>
+                  <a:rPr lang="fr-FR" dirty="0"/>
+                  <a:t>Si on observe une droite : l’ordonnée à l’origine est probablement le couple de frottement sec et la pente le coefficient de frottement visqueux. </a:t>
+                </a:r>
+              </a:p>
+              <a:p>
+                <a:pPr lvl="2"/>
+                <a:endParaRPr lang="fr-FR" dirty="0"/>
+              </a:p>
+              <a:p>
+                <a:pPr lvl="2"/>
+                <a:endParaRPr lang="fr-FR" dirty="0"/>
+              </a:p>
+            </p:txBody>
+          </p:sp>
+        </mc:Choice>
+        <mc:Fallback xmlns="">
+          <p:sp>
+            <p:nvSpPr>
+              <p:cNvPr id="4" name="Espace réservé du contenu 3"/>
+              <p:cNvSpPr>
+                <a:spLocks noGrp="1" noRot="1" noChangeAspect="1" noMove="1" noResize="1" noEditPoints="1" noAdjustHandles="1" noChangeArrowheads="1" noChangeShapeType="1" noTextEdit="1"/>
+              </p:cNvSpPr>
+              <p:nvPr>
+                <p:ph sz="quarter" idx="1"/>
+              </p:nvPr>
+            </p:nvSpPr>
+            <p:spPr>
+              <a:xfrm>
+                <a:off x="457200" y="1219200"/>
+                <a:ext cx="8363272" cy="4937760"/>
+              </a:xfrm>
+              <a:blipFill rotWithShape="1">
+                <a:blip r:embed="rId2"/>
+                <a:stretch>
+                  <a:fillRect l="-437" t="-988" r="-510"/>
+                </a:stretch>
+              </a:blipFill>
+            </p:spPr>
+            <p:txBody>
+              <a:bodyPr/>
+              <a:lstStyle/>
+              <a:p>
+                <a:r>
+                  <a:rPr lang="fr-FR">
+                    <a:noFill/>
+                  </a:rPr>
+                  <a:t> </a:t>
+                </a:r>
+              </a:p>
+            </p:txBody>
+          </p:sp>
+        </mc:Fallback>
+      </mc:AlternateContent>
+    </p:spTree>
+    <p:extLst>
+      <p:ext uri="{BB962C8B-B14F-4D97-AF65-F5344CB8AC3E}">
+        <p14:creationId xmlns:p14="http://schemas.microsoft.com/office/powerpoint/2010/main" val="3308247622"/>
+      </p:ext>
+    </p:extLst>
+  </p:cSld>
+  <p:clrMapOvr>
+    <a:masterClrMapping/>
+  </p:clrMapOvr>
+  <p:timing>
+    <p:tnLst>
+      <p:par>
+        <p:cTn id="1" dur="indefinite" restart="never" nodeType="tmRoot"/>
+      </p:par>
+    </p:tnLst>
+  </p:timing>
+</p:sld>
+</file>
+
+<file path=ppt/slides/slide11.xml><?xml version="1.0" encoding="utf-8"?>
+<p:sld xmlns:a="http://schemas.openxmlformats.org/drawingml/2006/main" xmlns:r="http://schemas.openxmlformats.org/officeDocument/2006/relationships" xmlns:p="http://schemas.openxmlformats.org/presentationml/2006/main">
+  <p:cSld>
+    <p:spTree>
+      <p:nvGrpSpPr>
+        <p:cNvPr id="1" name=""/>
+        <p:cNvGrpSpPr/>
+        <p:nvPr/>
+      </p:nvGrpSpPr>
+      <p:grpSpPr>
+        <a:xfrm>
+          <a:off x="0" y="0"/>
+          <a:ext cx="0" cy="0"/>
+          <a:chOff x="0" y="0"/>
+          <a:chExt cx="0" cy="0"/>
+        </a:xfrm>
+      </p:grpSpPr>
+      <p:sp>
+        <p:nvSpPr>
+          <p:cNvPr id="2" name="Titre 1"/>
+          <p:cNvSpPr>
+            <a:spLocks noGrp="1"/>
+          </p:cNvSpPr>
+          <p:nvPr>
+            <p:ph type="title"/>
+          </p:nvPr>
+        </p:nvSpPr>
+        <p:spPr>
+          <a:xfrm>
+            <a:off x="457200" y="152400"/>
+            <a:ext cx="8219256" cy="990600"/>
+          </a:xfrm>
+        </p:spPr>
+        <p:txBody>
+          <a:bodyPr>
+            <a:normAutofit/>
+          </a:bodyPr>
+          <a:lstStyle/>
+          <a:p>
+            <a:r>
+              <a:rPr lang="fr-FR" sz="2800" dirty="0"/>
               <a:t>Renseignement du modèle multiphysique</a:t>
             </a:r>
           </a:p>
@@ -5143,7 +5487,7 @@
             <a:fld id="{3F1D8263-54E8-442D-88B4-DA252C595E3D}" type="slidenum">
               <a:rPr lang="fr-FR" smtClean="0"/>
               <a:pPr/>
-              <a:t>10</a:t>
+              <a:t>11</a:t>
             </a:fld>
             <a:endParaRPr lang="fr-FR"/>
           </a:p>
@@ -5546,7 +5890,7 @@
 </p:sld>
 </file>
 
-<file path=ppt/slides/slide11.xml><?xml version="1.0" encoding="utf-8"?>
+<file path=ppt/slides/slide12.xml><?xml version="1.0" encoding="utf-8"?>
 <p:sld xmlns:a="http://schemas.openxmlformats.org/drawingml/2006/main" xmlns:r="http://schemas.openxmlformats.org/officeDocument/2006/relationships" xmlns:p="http://schemas.openxmlformats.org/presentationml/2006/main">
   <p:cSld>
     <p:spTree>
@@ -5610,7 +5954,7 @@
             <a:fld id="{3F1D8263-54E8-442D-88B4-DA252C595E3D}" type="slidenum">
               <a:rPr lang="fr-FR" smtClean="0"/>
               <a:pPr/>
-              <a:t>11</a:t>
+              <a:t>12</a:t>
             </a:fld>
             <a:endParaRPr lang="fr-FR"/>
           </a:p>
@@ -5972,7 +6316,7 @@
 </p:sld>
 </file>
 
-<file path=ppt/slides/slide12.xml><?xml version="1.0" encoding="utf-8"?>
+<file path=ppt/slides/slide13.xml><?xml version="1.0" encoding="utf-8"?>
 <p:sld xmlns:a="http://schemas.openxmlformats.org/drawingml/2006/main" xmlns:r="http://schemas.openxmlformats.org/officeDocument/2006/relationships" xmlns:p="http://schemas.openxmlformats.org/presentationml/2006/main">
   <p:cSld>
     <p:spTree>
@@ -6747,7 +7091,7 @@
 </p:sld>
 </file>
 
-<file path=ppt/slides/slide13.xml><?xml version="1.0" encoding="utf-8"?>
+<file path=ppt/slides/slide14.xml><?xml version="1.0" encoding="utf-8"?>
 <p:sld xmlns:a="http://schemas.openxmlformats.org/drawingml/2006/main" xmlns:r="http://schemas.openxmlformats.org/officeDocument/2006/relationships" xmlns:p="http://schemas.openxmlformats.org/presentationml/2006/main">
   <p:cSld>
     <p:spTree>
@@ -6782,7 +7126,7 @@
             <a:fld id="{3F1D8263-54E8-442D-88B4-DA252C595E3D}" type="slidenum">
               <a:rPr lang="fr-FR" smtClean="0"/>
               <a:pPr/>
-              <a:t>13</a:t>
+              <a:t>14</a:t>
             </a:fld>
             <a:endParaRPr lang="fr-FR"/>
           </a:p>
@@ -11368,8 +11712,8 @@
           </p:txBody>
         </p:sp>
       </p:grpSp>
-      <mc:AlternateContent xmlns:mc="http://schemas.openxmlformats.org/markup-compatibility/2006">
-        <mc:Choice xmlns:a14="http://schemas.microsoft.com/office/drawing/2010/main" Requires="a14">
+      <mc:AlternateContent xmlns:mc="http://schemas.openxmlformats.org/markup-compatibility/2006" xmlns:a14="http://schemas.microsoft.com/office/drawing/2010/main">
+        <mc:Choice Requires="a14">
           <p:sp>
             <p:nvSpPr>
               <p:cNvPr id="150" name="Espace réservé du contenu 3"/>
@@ -13464,7 +13808,7 @@
             </p:txBody>
           </p:sp>
         </mc:Choice>
-        <mc:Fallback>
+        <mc:Fallback xmlns="">
           <p:sp>
             <p:nvSpPr>
               <p:cNvPr id="150" name="Espace réservé du contenu 3"/>
@@ -13502,8 +13846,8 @@
           </p:sp>
         </mc:Fallback>
       </mc:AlternateContent>
-      <mc:AlternateContent xmlns:mc="http://schemas.openxmlformats.org/markup-compatibility/2006">
-        <mc:Choice xmlns:a14="http://schemas.microsoft.com/office/drawing/2010/main" Requires="a14">
+      <mc:AlternateContent xmlns:mc="http://schemas.openxmlformats.org/markup-compatibility/2006" xmlns:a14="http://schemas.microsoft.com/office/drawing/2010/main">
+        <mc:Choice Requires="a14">
           <p:sp>
             <p:nvSpPr>
               <p:cNvPr id="4" name="ZoneTexte 3"/>
@@ -13547,7 +13891,7 @@
             </p:txBody>
           </p:sp>
         </mc:Choice>
-        <mc:Fallback>
+        <mc:Fallback xmlns="">
           <p:sp>
             <p:nvSpPr>
               <p:cNvPr id="4" name="ZoneTexte 3"/>
@@ -17106,8 +17450,8 @@
           </p:txBody>
         </p:sp>
       </p:grpSp>
-      <mc:AlternateContent xmlns:mc="http://schemas.openxmlformats.org/markup-compatibility/2006">
-        <mc:Choice xmlns:a14="http://schemas.microsoft.com/office/drawing/2010/main" Requires="a14">
+      <mc:AlternateContent xmlns:mc="http://schemas.openxmlformats.org/markup-compatibility/2006" xmlns:a14="http://schemas.microsoft.com/office/drawing/2010/main">
+        <mc:Choice Requires="a14">
           <p:sp>
             <p:nvSpPr>
               <p:cNvPr id="150" name="Espace réservé du contenu 3"/>
@@ -18888,7 +19232,7 @@
             </p:txBody>
           </p:sp>
         </mc:Choice>
-        <mc:Fallback>
+        <mc:Fallback xmlns="">
           <p:sp>
             <p:nvSpPr>
               <p:cNvPr id="150" name="Espace réservé du contenu 3"/>
@@ -19460,6 +19804,3567 @@
           <a:chExt cx="0" cy="0"/>
         </a:xfrm>
       </p:grpSpPr>
+      <p:grpSp>
+        <p:nvGrpSpPr>
+          <p:cNvPr id="5" name="Groupe 4"/>
+          <p:cNvGrpSpPr/>
+          <p:nvPr/>
+        </p:nvGrpSpPr>
+        <p:grpSpPr>
+          <a:xfrm>
+            <a:off x="2439783" y="3991155"/>
+            <a:ext cx="2257766" cy="2159947"/>
+            <a:chOff x="1045512" y="1619955"/>
+            <a:chExt cx="2257766" cy="2159947"/>
+          </a:xfrm>
+        </p:grpSpPr>
+        <p:sp>
+          <p:nvSpPr>
+            <p:cNvPr id="6" name="Ellipse 5"/>
+            <p:cNvSpPr/>
+            <p:nvPr/>
+          </p:nvSpPr>
+          <p:spPr>
+            <a:xfrm>
+              <a:off x="1581802" y="1844824"/>
+              <a:ext cx="216024" cy="216024"/>
+            </a:xfrm>
+            <a:prstGeom prst="ellipse">
+              <a:avLst/>
+            </a:prstGeom>
+            <a:solidFill>
+              <a:schemeClr val="bg1"/>
+            </a:solidFill>
+            <a:ln w="19050">
+              <a:solidFill>
+                <a:srgbClr val="FF0000"/>
+              </a:solidFill>
+            </a:ln>
+          </p:spPr>
+          <p:style>
+            <a:lnRef idx="2">
+              <a:schemeClr val="accent1">
+                <a:shade val="50000"/>
+              </a:schemeClr>
+            </a:lnRef>
+            <a:fillRef idx="1">
+              <a:schemeClr val="accent1"/>
+            </a:fillRef>
+            <a:effectRef idx="0">
+              <a:schemeClr val="accent1"/>
+            </a:effectRef>
+            <a:fontRef idx="minor">
+              <a:schemeClr val="lt1"/>
+            </a:fontRef>
+          </p:style>
+          <p:txBody>
+            <a:bodyPr lIns="0" tIns="0" rIns="0" bIns="0" rtlCol="0" anchor="ctr"/>
+            <a:lstStyle/>
+            <a:p>
+              <a:pPr algn="ctr"/>
+              <a:r>
+                <a:rPr lang="fr-FR" sz="1000" b="1" dirty="0">
+                  <a:solidFill>
+                    <a:srgbClr val="FF0000"/>
+                  </a:solidFill>
+                </a:rPr>
+                <a:t>R</a:t>
+              </a:r>
+            </a:p>
+          </p:txBody>
+        </p:sp>
+        <p:sp>
+          <p:nvSpPr>
+            <p:cNvPr id="7" name="Ellipse 6"/>
+            <p:cNvSpPr/>
+            <p:nvPr/>
+          </p:nvSpPr>
+          <p:spPr>
+            <a:xfrm>
+              <a:off x="1581802" y="3320988"/>
+              <a:ext cx="216024" cy="216024"/>
+            </a:xfrm>
+            <a:prstGeom prst="ellipse">
+              <a:avLst/>
+            </a:prstGeom>
+            <a:solidFill>
+              <a:schemeClr val="bg1"/>
+            </a:solidFill>
+            <a:ln w="19050">
+              <a:solidFill>
+                <a:schemeClr val="tx1"/>
+              </a:solidFill>
+            </a:ln>
+          </p:spPr>
+          <p:style>
+            <a:lnRef idx="2">
+              <a:schemeClr val="accent1">
+                <a:shade val="50000"/>
+              </a:schemeClr>
+            </a:lnRef>
+            <a:fillRef idx="1">
+              <a:schemeClr val="accent1"/>
+            </a:fillRef>
+            <a:effectRef idx="0">
+              <a:schemeClr val="accent1"/>
+            </a:effectRef>
+            <a:fontRef idx="minor">
+              <a:schemeClr val="lt1"/>
+            </a:fontRef>
+          </p:style>
+          <p:txBody>
+            <a:bodyPr lIns="0" tIns="0" rIns="0" bIns="0" rtlCol="0" anchor="ctr"/>
+            <a:lstStyle/>
+            <a:p>
+              <a:pPr algn="ctr"/>
+              <a:r>
+                <a:rPr lang="fr-FR" sz="1000" b="1" dirty="0">
+                  <a:solidFill>
+                    <a:schemeClr val="tx1"/>
+                  </a:solidFill>
+                </a:rPr>
+                <a:t>0</a:t>
+              </a:r>
+            </a:p>
+          </p:txBody>
+        </p:sp>
+        <p:sp>
+          <p:nvSpPr>
+            <p:cNvPr id="8" name="Ellipse 7"/>
+            <p:cNvSpPr/>
+            <p:nvPr/>
+          </p:nvSpPr>
+          <p:spPr>
+            <a:xfrm>
+              <a:off x="1581802" y="2595580"/>
+              <a:ext cx="216024" cy="216024"/>
+            </a:xfrm>
+            <a:prstGeom prst="ellipse">
+              <a:avLst/>
+            </a:prstGeom>
+            <a:solidFill>
+              <a:schemeClr val="bg1"/>
+            </a:solidFill>
+            <a:ln w="19050">
+              <a:solidFill>
+                <a:schemeClr val="tx1">
+                  <a:lumMod val="50000"/>
+                  <a:lumOff val="50000"/>
+                </a:schemeClr>
+              </a:solidFill>
+            </a:ln>
+          </p:spPr>
+          <p:style>
+            <a:lnRef idx="2">
+              <a:schemeClr val="accent1">
+                <a:shade val="50000"/>
+              </a:schemeClr>
+            </a:lnRef>
+            <a:fillRef idx="1">
+              <a:schemeClr val="accent1"/>
+            </a:fillRef>
+            <a:effectRef idx="0">
+              <a:schemeClr val="accent1"/>
+            </a:effectRef>
+            <a:fontRef idx="minor">
+              <a:schemeClr val="lt1"/>
+            </a:fontRef>
+          </p:style>
+          <p:txBody>
+            <a:bodyPr lIns="0" tIns="0" rIns="0" bIns="0" rtlCol="0" anchor="ctr"/>
+            <a:lstStyle/>
+            <a:p>
+              <a:pPr algn="ctr"/>
+              <a:r>
+                <a:rPr lang="fr-FR" sz="1000" b="1" dirty="0">
+                  <a:solidFill>
+                    <a:schemeClr val="tx1">
+                      <a:lumMod val="50000"/>
+                      <a:lumOff val="50000"/>
+                    </a:schemeClr>
+                  </a:solidFill>
+                </a:rPr>
+                <a:t>T</a:t>
+              </a:r>
+            </a:p>
+          </p:txBody>
+        </p:sp>
+        <p:cxnSp>
+          <p:nvCxnSpPr>
+            <p:cNvPr id="9" name="Connecteur droit 8"/>
+            <p:cNvCxnSpPr>
+              <a:stCxn id="7" idx="0"/>
+              <a:endCxn id="8" idx="4"/>
+            </p:cNvCxnSpPr>
+            <p:nvPr/>
+          </p:nvCxnSpPr>
+          <p:spPr>
+            <a:xfrm flipV="1">
+              <a:off x="1689814" y="2811604"/>
+              <a:ext cx="0" cy="509384"/>
+            </a:xfrm>
+            <a:prstGeom prst="line">
+              <a:avLst/>
+            </a:prstGeom>
+            <a:solidFill>
+              <a:schemeClr val="bg1"/>
+            </a:solidFill>
+            <a:ln w="19050">
+              <a:solidFill>
+                <a:schemeClr val="tx1"/>
+              </a:solidFill>
+            </a:ln>
+          </p:spPr>
+          <p:style>
+            <a:lnRef idx="2">
+              <a:schemeClr val="accent1">
+                <a:shade val="50000"/>
+              </a:schemeClr>
+            </a:lnRef>
+            <a:fillRef idx="1">
+              <a:schemeClr val="accent1"/>
+            </a:fillRef>
+            <a:effectRef idx="0">
+              <a:schemeClr val="accent1"/>
+            </a:effectRef>
+            <a:fontRef idx="minor">
+              <a:schemeClr val="lt1"/>
+            </a:fontRef>
+          </p:style>
+        </p:cxnSp>
+        <p:cxnSp>
+          <p:nvCxnSpPr>
+            <p:cNvPr id="10" name="Connecteur droit 9"/>
+            <p:cNvCxnSpPr>
+              <a:stCxn id="6" idx="4"/>
+              <a:endCxn id="8" idx="0"/>
+            </p:cNvCxnSpPr>
+            <p:nvPr/>
+          </p:nvCxnSpPr>
+          <p:spPr>
+            <a:xfrm>
+              <a:off x="1689814" y="2060848"/>
+              <a:ext cx="0" cy="534732"/>
+            </a:xfrm>
+            <a:prstGeom prst="line">
+              <a:avLst/>
+            </a:prstGeom>
+            <a:solidFill>
+              <a:schemeClr val="bg1"/>
+            </a:solidFill>
+            <a:ln w="19050">
+              <a:solidFill>
+                <a:schemeClr val="tx1"/>
+              </a:solidFill>
+            </a:ln>
+          </p:spPr>
+          <p:style>
+            <a:lnRef idx="2">
+              <a:schemeClr val="accent1">
+                <a:shade val="50000"/>
+              </a:schemeClr>
+            </a:lnRef>
+            <a:fillRef idx="1">
+              <a:schemeClr val="accent1"/>
+            </a:fillRef>
+            <a:effectRef idx="0">
+              <a:schemeClr val="accent1"/>
+            </a:effectRef>
+            <a:fontRef idx="minor">
+              <a:schemeClr val="lt1"/>
+            </a:fontRef>
+          </p:style>
+        </p:cxnSp>
+        <p:sp>
+          <p:nvSpPr>
+            <p:cNvPr id="11" name="Ellipse 10"/>
+            <p:cNvSpPr/>
+            <p:nvPr/>
+          </p:nvSpPr>
+          <p:spPr>
+            <a:xfrm>
+              <a:off x="2531232" y="1844824"/>
+              <a:ext cx="216024" cy="216024"/>
+            </a:xfrm>
+            <a:prstGeom prst="ellipse">
+              <a:avLst/>
+            </a:prstGeom>
+            <a:solidFill>
+              <a:schemeClr val="bg1"/>
+            </a:solidFill>
+            <a:ln w="19050">
+              <a:solidFill>
+                <a:srgbClr val="00B050"/>
+              </a:solidFill>
+            </a:ln>
+          </p:spPr>
+          <p:style>
+            <a:lnRef idx="2">
+              <a:schemeClr val="accent1">
+                <a:shade val="50000"/>
+              </a:schemeClr>
+            </a:lnRef>
+            <a:fillRef idx="1">
+              <a:schemeClr val="accent1"/>
+            </a:fillRef>
+            <a:effectRef idx="0">
+              <a:schemeClr val="accent1"/>
+            </a:effectRef>
+            <a:fontRef idx="minor">
+              <a:schemeClr val="lt1"/>
+            </a:fontRef>
+          </p:style>
+          <p:txBody>
+            <a:bodyPr lIns="0" tIns="0" rIns="0" bIns="0" rtlCol="0" anchor="ctr"/>
+            <a:lstStyle/>
+            <a:p>
+              <a:pPr algn="ctr"/>
+              <a:r>
+                <a:rPr lang="fr-FR" sz="1000" b="1" dirty="0">
+                  <a:solidFill>
+                    <a:srgbClr val="00B050"/>
+                  </a:solidFill>
+                </a:rPr>
+                <a:t>1</a:t>
+              </a:r>
+            </a:p>
+          </p:txBody>
+        </p:sp>
+        <p:sp>
+          <p:nvSpPr>
+            <p:cNvPr id="12" name="Ellipse 11"/>
+            <p:cNvSpPr/>
+            <p:nvPr/>
+          </p:nvSpPr>
+          <p:spPr>
+            <a:xfrm>
+              <a:off x="2531232" y="2595580"/>
+              <a:ext cx="216024" cy="216024"/>
+            </a:xfrm>
+            <a:prstGeom prst="ellipse">
+              <a:avLst/>
+            </a:prstGeom>
+            <a:solidFill>
+              <a:schemeClr val="bg1"/>
+            </a:solidFill>
+            <a:ln w="19050">
+              <a:solidFill>
+                <a:srgbClr val="0070C0"/>
+              </a:solidFill>
+            </a:ln>
+          </p:spPr>
+          <p:style>
+            <a:lnRef idx="2">
+              <a:schemeClr val="accent1">
+                <a:shade val="50000"/>
+              </a:schemeClr>
+            </a:lnRef>
+            <a:fillRef idx="1">
+              <a:schemeClr val="accent1"/>
+            </a:fillRef>
+            <a:effectRef idx="0">
+              <a:schemeClr val="accent1"/>
+            </a:effectRef>
+            <a:fontRef idx="minor">
+              <a:schemeClr val="lt1"/>
+            </a:fontRef>
+          </p:style>
+          <p:txBody>
+            <a:bodyPr lIns="0" tIns="0" rIns="0" bIns="0" rtlCol="0" anchor="ctr"/>
+            <a:lstStyle/>
+            <a:p>
+              <a:pPr algn="ctr"/>
+              <a:r>
+                <a:rPr lang="fr-FR" sz="1000" b="1" dirty="0">
+                  <a:solidFill>
+                    <a:srgbClr val="0070C0"/>
+                  </a:solidFill>
+                </a:rPr>
+                <a:t>2</a:t>
+              </a:r>
+            </a:p>
+          </p:txBody>
+        </p:sp>
+        <p:sp>
+          <p:nvSpPr>
+            <p:cNvPr id="13" name="Ellipse 12"/>
+            <p:cNvSpPr/>
+            <p:nvPr/>
+          </p:nvSpPr>
+          <p:spPr>
+            <a:xfrm>
+              <a:off x="2531232" y="3320988"/>
+              <a:ext cx="216024" cy="216024"/>
+            </a:xfrm>
+            <a:prstGeom prst="ellipse">
+              <a:avLst/>
+            </a:prstGeom>
+            <a:solidFill>
+              <a:schemeClr val="bg1"/>
+            </a:solidFill>
+            <a:ln w="19050">
+              <a:solidFill>
+                <a:srgbClr val="7030A0"/>
+              </a:solidFill>
+            </a:ln>
+          </p:spPr>
+          <p:style>
+            <a:lnRef idx="2">
+              <a:schemeClr val="accent1">
+                <a:shade val="50000"/>
+              </a:schemeClr>
+            </a:lnRef>
+            <a:fillRef idx="1">
+              <a:schemeClr val="accent1"/>
+            </a:fillRef>
+            <a:effectRef idx="0">
+              <a:schemeClr val="accent1"/>
+            </a:effectRef>
+            <a:fontRef idx="minor">
+              <a:schemeClr val="lt1"/>
+            </a:fontRef>
+          </p:style>
+          <p:txBody>
+            <a:bodyPr lIns="0" tIns="0" rIns="0" bIns="0" rtlCol="0" anchor="ctr"/>
+            <a:lstStyle/>
+            <a:p>
+              <a:pPr algn="ctr"/>
+              <a:r>
+                <a:rPr lang="fr-FR" sz="1000" b="1" dirty="0">
+                  <a:solidFill>
+                    <a:srgbClr val="7030A0"/>
+                  </a:solidFill>
+                </a:rPr>
+                <a:t>3</a:t>
+              </a:r>
+            </a:p>
+          </p:txBody>
+        </p:sp>
+        <p:cxnSp>
+          <p:nvCxnSpPr>
+            <p:cNvPr id="14" name="Connecteur droit 13"/>
+            <p:cNvCxnSpPr>
+              <a:stCxn id="13" idx="1"/>
+              <a:endCxn id="8" idx="5"/>
+            </p:cNvCxnSpPr>
+            <p:nvPr/>
+          </p:nvCxnSpPr>
+          <p:spPr>
+            <a:xfrm flipH="1" flipV="1">
+              <a:off x="1766190" y="2779968"/>
+              <a:ext cx="796678" cy="572656"/>
+            </a:xfrm>
+            <a:prstGeom prst="line">
+              <a:avLst/>
+            </a:prstGeom>
+            <a:solidFill>
+              <a:schemeClr val="bg1"/>
+            </a:solidFill>
+            <a:ln w="19050">
+              <a:solidFill>
+                <a:schemeClr val="tx1"/>
+              </a:solidFill>
+            </a:ln>
+          </p:spPr>
+          <p:style>
+            <a:lnRef idx="2">
+              <a:schemeClr val="accent1">
+                <a:shade val="50000"/>
+              </a:schemeClr>
+            </a:lnRef>
+            <a:fillRef idx="1">
+              <a:schemeClr val="accent1"/>
+            </a:fillRef>
+            <a:effectRef idx="0">
+              <a:schemeClr val="accent1"/>
+            </a:effectRef>
+            <a:fontRef idx="minor">
+              <a:schemeClr val="lt1"/>
+            </a:fontRef>
+          </p:style>
+        </p:cxnSp>
+        <p:cxnSp>
+          <p:nvCxnSpPr>
+            <p:cNvPr id="15" name="Connecteur droit 14"/>
+            <p:cNvCxnSpPr>
+              <a:stCxn id="12" idx="2"/>
+              <a:endCxn id="8" idx="6"/>
+            </p:cNvCxnSpPr>
+            <p:nvPr/>
+          </p:nvCxnSpPr>
+          <p:spPr>
+            <a:xfrm flipH="1">
+              <a:off x="1797826" y="2703592"/>
+              <a:ext cx="733406" cy="0"/>
+            </a:xfrm>
+            <a:prstGeom prst="line">
+              <a:avLst/>
+            </a:prstGeom>
+            <a:solidFill>
+              <a:schemeClr val="bg1"/>
+            </a:solidFill>
+            <a:ln w="19050">
+              <a:solidFill>
+                <a:schemeClr val="tx1"/>
+              </a:solidFill>
+            </a:ln>
+          </p:spPr>
+          <p:style>
+            <a:lnRef idx="2">
+              <a:schemeClr val="accent1">
+                <a:shade val="50000"/>
+              </a:schemeClr>
+            </a:lnRef>
+            <a:fillRef idx="1">
+              <a:schemeClr val="accent1"/>
+            </a:fillRef>
+            <a:effectRef idx="0">
+              <a:schemeClr val="accent1"/>
+            </a:effectRef>
+            <a:fontRef idx="minor">
+              <a:schemeClr val="lt1"/>
+            </a:fontRef>
+          </p:style>
+        </p:cxnSp>
+        <p:cxnSp>
+          <p:nvCxnSpPr>
+            <p:cNvPr id="16" name="Connecteur droit 15"/>
+            <p:cNvCxnSpPr>
+              <a:stCxn id="11" idx="3"/>
+              <a:endCxn id="8" idx="7"/>
+            </p:cNvCxnSpPr>
+            <p:nvPr/>
+          </p:nvCxnSpPr>
+          <p:spPr>
+            <a:xfrm flipH="1">
+              <a:off x="1766190" y="2029212"/>
+              <a:ext cx="796678" cy="598004"/>
+            </a:xfrm>
+            <a:prstGeom prst="line">
+              <a:avLst/>
+            </a:prstGeom>
+            <a:solidFill>
+              <a:schemeClr val="bg1"/>
+            </a:solidFill>
+            <a:ln w="19050">
+              <a:solidFill>
+                <a:schemeClr val="tx1"/>
+              </a:solidFill>
+            </a:ln>
+          </p:spPr>
+          <p:style>
+            <a:lnRef idx="2">
+              <a:schemeClr val="accent1">
+                <a:shade val="50000"/>
+              </a:schemeClr>
+            </a:lnRef>
+            <a:fillRef idx="1">
+              <a:schemeClr val="accent1"/>
+            </a:fillRef>
+            <a:effectRef idx="0">
+              <a:schemeClr val="accent1"/>
+            </a:effectRef>
+            <a:fontRef idx="minor">
+              <a:schemeClr val="lt1"/>
+            </a:fontRef>
+          </p:style>
+        </p:cxnSp>
+        <mc:AlternateContent xmlns:mc="http://schemas.openxmlformats.org/markup-compatibility/2006" xmlns:a14="http://schemas.microsoft.com/office/drawing/2010/main">
+          <mc:Choice Requires="a14">
+            <p:sp>
+              <p:nvSpPr>
+                <p:cNvPr id="17" name="ZoneTexte 16"/>
+                <p:cNvSpPr txBox="1"/>
+                <p:nvPr/>
+              </p:nvSpPr>
+              <p:spPr>
+                <a:xfrm>
+                  <a:off x="2097883" y="2227106"/>
+                  <a:ext cx="644301" cy="400110"/>
+                </a:xfrm>
+                <a:prstGeom prst="rect">
+                  <a:avLst/>
+                </a:prstGeom>
+                <a:noFill/>
+              </p:spPr>
+              <p:txBody>
+                <a:bodyPr wrap="square" rtlCol="0">
+                  <a:spAutoFit/>
+                </a:bodyPr>
+                <a:lstStyle/>
+                <a:p>
+                  <a:pPr algn="ctr"/>
+                  <a:r>
+                    <a:rPr lang="fr-FR" sz="1000" dirty="0"/>
+                    <a:t>Pivot </a:t>
+                  </a:r>
+                </a:p>
+                <a:p>
+                  <a:pPr algn="ctr"/>
+                  <a14:m>
+                    <m:oMathPara xmlns:m="http://schemas.openxmlformats.org/officeDocument/2006/math">
+                      <m:oMathParaPr>
+                        <m:jc m:val="centerGroup"/>
+                      </m:oMathParaPr>
+                      <m:oMath xmlns:m="http://schemas.openxmlformats.org/officeDocument/2006/math">
+                        <m:d>
+                          <m:dPr>
+                            <m:ctrlPr>
+                              <a:rPr lang="fr-FR" sz="1000" i="1" smtClean="0">
+                                <a:latin typeface="Cambria Math"/>
+                              </a:rPr>
+                            </m:ctrlPr>
+                          </m:dPr>
+                          <m:e>
+                            <m:r>
+                              <a:rPr lang="fr-FR" sz="1000" b="0" i="1" smtClean="0">
+                                <a:latin typeface="Cambria Math"/>
+                              </a:rPr>
+                              <m:t>𝐵</m:t>
+                            </m:r>
+                            <m:r>
+                              <a:rPr lang="fr-FR" sz="1000" b="0" i="1" smtClean="0">
+                                <a:latin typeface="Cambria Math"/>
+                              </a:rPr>
+                              <m:t>,</m:t>
+                            </m:r>
+                            <m:acc>
+                              <m:accPr>
+                                <m:chr m:val="⃗"/>
+                                <m:ctrlPr>
+                                  <a:rPr lang="fr-FR" sz="1000" b="0" i="1" smtClean="0">
+                                    <a:latin typeface="Cambria Math"/>
+                                  </a:rPr>
+                                </m:ctrlPr>
+                              </m:accPr>
+                              <m:e>
+                                <m:r>
+                                  <a:rPr lang="fr-FR" sz="1000" b="0" i="1" smtClean="0">
+                                    <a:latin typeface="Cambria Math"/>
+                                  </a:rPr>
+                                  <m:t>𝑧</m:t>
+                                </m:r>
+                              </m:e>
+                            </m:acc>
+                          </m:e>
+                        </m:d>
+                      </m:oMath>
+                    </m:oMathPara>
+                  </a14:m>
+                  <a:endParaRPr lang="fr-FR" sz="1000" dirty="0"/>
+                </a:p>
+              </p:txBody>
+            </p:sp>
+          </mc:Choice>
+          <mc:Fallback xmlns="">
+            <p:sp>
+              <p:nvSpPr>
+                <p:cNvPr id="17" name="ZoneTexte 16"/>
+                <p:cNvSpPr txBox="1">
+                  <a:spLocks noRot="1" noChangeAspect="1" noMove="1" noResize="1" noEditPoints="1" noAdjustHandles="1" noChangeArrowheads="1" noChangeShapeType="1" noTextEdit="1"/>
+                </p:cNvSpPr>
+                <p:nvPr/>
+              </p:nvSpPr>
+              <p:spPr>
+                <a:xfrm>
+                  <a:off x="2097883" y="2227106"/>
+                  <a:ext cx="644301" cy="400110"/>
+                </a:xfrm>
+                <a:prstGeom prst="rect">
+                  <a:avLst/>
+                </a:prstGeom>
+                <a:blipFill rotWithShape="1">
+                  <a:blip r:embed="rId3"/>
+                  <a:stretch>
+                    <a:fillRect/>
+                  </a:stretch>
+                </a:blipFill>
+              </p:spPr>
+              <p:txBody>
+                <a:bodyPr/>
+                <a:lstStyle/>
+                <a:p>
+                  <a:r>
+                    <a:rPr lang="fr-FR">
+                      <a:noFill/>
+                    </a:rPr>
+                    <a:t> </a:t>
+                  </a:r>
+                </a:p>
+              </p:txBody>
+            </p:sp>
+          </mc:Fallback>
+        </mc:AlternateContent>
+        <mc:AlternateContent xmlns:mc="http://schemas.openxmlformats.org/markup-compatibility/2006" xmlns:a14="http://schemas.microsoft.com/office/drawing/2010/main">
+          <mc:Choice Requires="a14">
+            <p:sp>
+              <p:nvSpPr>
+                <p:cNvPr id="18" name="ZoneTexte 17"/>
+                <p:cNvSpPr txBox="1"/>
+                <p:nvPr/>
+              </p:nvSpPr>
+              <p:spPr>
+                <a:xfrm>
+                  <a:off x="1045513" y="2128159"/>
+                  <a:ext cx="644301" cy="400110"/>
+                </a:xfrm>
+                <a:prstGeom prst="rect">
+                  <a:avLst/>
+                </a:prstGeom>
+                <a:noFill/>
+              </p:spPr>
+              <p:txBody>
+                <a:bodyPr wrap="square" rtlCol="0">
+                  <a:spAutoFit/>
+                </a:bodyPr>
+                <a:lstStyle/>
+                <a:p>
+                  <a:pPr algn="ctr"/>
+                  <a:r>
+                    <a:rPr lang="fr-FR" sz="1000" dirty="0"/>
+                    <a:t>Pivot </a:t>
+                  </a:r>
+                </a:p>
+                <a:p>
+                  <a:pPr algn="ctr"/>
+                  <a14:m>
+                    <m:oMathPara xmlns:m="http://schemas.openxmlformats.org/officeDocument/2006/math">
+                      <m:oMathParaPr>
+                        <m:jc m:val="centerGroup"/>
+                      </m:oMathParaPr>
+                      <m:oMath xmlns:m="http://schemas.openxmlformats.org/officeDocument/2006/math">
+                        <m:d>
+                          <m:dPr>
+                            <m:ctrlPr>
+                              <a:rPr lang="fr-FR" sz="1000" i="1" smtClean="0">
+                                <a:latin typeface="Cambria Math"/>
+                              </a:rPr>
+                            </m:ctrlPr>
+                          </m:dPr>
+                          <m:e>
+                            <m:r>
+                              <a:rPr lang="fr-FR" sz="1000" b="0" i="1" smtClean="0">
+                                <a:latin typeface="Cambria Math"/>
+                              </a:rPr>
+                              <m:t>𝐴</m:t>
+                            </m:r>
+                            <m:r>
+                              <a:rPr lang="fr-FR" sz="1000" b="0" i="1" smtClean="0">
+                                <a:latin typeface="Cambria Math"/>
+                              </a:rPr>
+                              <m:t>,</m:t>
+                            </m:r>
+                            <m:acc>
+                              <m:accPr>
+                                <m:chr m:val="⃗"/>
+                                <m:ctrlPr>
+                                  <a:rPr lang="fr-FR" sz="1000" b="0" i="1" smtClean="0">
+                                    <a:latin typeface="Cambria Math"/>
+                                  </a:rPr>
+                                </m:ctrlPr>
+                              </m:accPr>
+                              <m:e>
+                                <m:r>
+                                  <a:rPr lang="fr-FR" sz="1000" b="0" i="1" smtClean="0">
+                                    <a:latin typeface="Cambria Math"/>
+                                  </a:rPr>
+                                  <m:t>𝑧</m:t>
+                                </m:r>
+                              </m:e>
+                            </m:acc>
+                          </m:e>
+                        </m:d>
+                      </m:oMath>
+                    </m:oMathPara>
+                  </a14:m>
+                  <a:endParaRPr lang="fr-FR" sz="1000" dirty="0"/>
+                </a:p>
+              </p:txBody>
+            </p:sp>
+          </mc:Choice>
+          <mc:Fallback xmlns="">
+            <p:sp>
+              <p:nvSpPr>
+                <p:cNvPr id="18" name="ZoneTexte 17"/>
+                <p:cNvSpPr txBox="1">
+                  <a:spLocks noRot="1" noChangeAspect="1" noMove="1" noResize="1" noEditPoints="1" noAdjustHandles="1" noChangeArrowheads="1" noChangeShapeType="1" noTextEdit="1"/>
+                </p:cNvSpPr>
+                <p:nvPr/>
+              </p:nvSpPr>
+              <p:spPr>
+                <a:xfrm>
+                  <a:off x="1045513" y="2128159"/>
+                  <a:ext cx="644301" cy="400110"/>
+                </a:xfrm>
+                <a:prstGeom prst="rect">
+                  <a:avLst/>
+                </a:prstGeom>
+                <a:blipFill rotWithShape="1">
+                  <a:blip r:embed="rId4"/>
+                  <a:stretch>
+                    <a:fillRect/>
+                  </a:stretch>
+                </a:blipFill>
+              </p:spPr>
+              <p:txBody>
+                <a:bodyPr/>
+                <a:lstStyle/>
+                <a:p>
+                  <a:r>
+                    <a:rPr lang="fr-FR">
+                      <a:noFill/>
+                    </a:rPr>
+                    <a:t> </a:t>
+                  </a:r>
+                </a:p>
+              </p:txBody>
+            </p:sp>
+          </mc:Fallback>
+        </mc:AlternateContent>
+        <mc:AlternateContent xmlns:mc="http://schemas.openxmlformats.org/markup-compatibility/2006" xmlns:a14="http://schemas.microsoft.com/office/drawing/2010/main">
+          <mc:Choice Requires="a14">
+            <p:sp>
+              <p:nvSpPr>
+                <p:cNvPr id="19" name="ZoneTexte 18"/>
+                <p:cNvSpPr txBox="1"/>
+                <p:nvPr/>
+              </p:nvSpPr>
+              <p:spPr>
+                <a:xfrm>
+                  <a:off x="2014676" y="2731106"/>
+                  <a:ext cx="644301" cy="400110"/>
+                </a:xfrm>
+                <a:prstGeom prst="rect">
+                  <a:avLst/>
+                </a:prstGeom>
+                <a:noFill/>
+              </p:spPr>
+              <p:txBody>
+                <a:bodyPr wrap="square" rtlCol="0">
+                  <a:spAutoFit/>
+                </a:bodyPr>
+                <a:lstStyle/>
+                <a:p>
+                  <a:pPr algn="ctr"/>
+                  <a:r>
+                    <a:rPr lang="fr-FR" sz="1000" dirty="0"/>
+                    <a:t>Pivot </a:t>
+                  </a:r>
+                </a:p>
+                <a:p>
+                  <a:pPr algn="ctr"/>
+                  <a14:m>
+                    <m:oMathPara xmlns:m="http://schemas.openxmlformats.org/officeDocument/2006/math">
+                      <m:oMathParaPr>
+                        <m:jc m:val="centerGroup"/>
+                      </m:oMathParaPr>
+                      <m:oMath xmlns:m="http://schemas.openxmlformats.org/officeDocument/2006/math">
+                        <m:d>
+                          <m:dPr>
+                            <m:ctrlPr>
+                              <a:rPr lang="fr-FR" sz="1000" i="1" smtClean="0">
+                                <a:latin typeface="Cambria Math"/>
+                              </a:rPr>
+                            </m:ctrlPr>
+                          </m:dPr>
+                          <m:e>
+                            <m:r>
+                              <a:rPr lang="fr-FR" sz="1000" b="0" i="1" smtClean="0">
+                                <a:latin typeface="Cambria Math"/>
+                              </a:rPr>
+                              <m:t>𝐶</m:t>
+                            </m:r>
+                            <m:r>
+                              <a:rPr lang="fr-FR" sz="1000" b="0" i="1" smtClean="0">
+                                <a:latin typeface="Cambria Math"/>
+                              </a:rPr>
+                              <m:t>,</m:t>
+                            </m:r>
+                            <m:acc>
+                              <m:accPr>
+                                <m:chr m:val="⃗"/>
+                                <m:ctrlPr>
+                                  <a:rPr lang="fr-FR" sz="1000" b="0" i="1" smtClean="0">
+                                    <a:latin typeface="Cambria Math"/>
+                                  </a:rPr>
+                                </m:ctrlPr>
+                              </m:accPr>
+                              <m:e>
+                                <m:r>
+                                  <a:rPr lang="fr-FR" sz="1000" b="0" i="1" smtClean="0">
+                                    <a:latin typeface="Cambria Math"/>
+                                  </a:rPr>
+                                  <m:t>𝑧</m:t>
+                                </m:r>
+                              </m:e>
+                            </m:acc>
+                          </m:e>
+                        </m:d>
+                      </m:oMath>
+                    </m:oMathPara>
+                  </a14:m>
+                  <a:endParaRPr lang="fr-FR" sz="1000" dirty="0"/>
+                </a:p>
+              </p:txBody>
+            </p:sp>
+          </mc:Choice>
+          <mc:Fallback xmlns="">
+            <p:sp>
+              <p:nvSpPr>
+                <p:cNvPr id="19" name="ZoneTexte 18"/>
+                <p:cNvSpPr txBox="1">
+                  <a:spLocks noRot="1" noChangeAspect="1" noMove="1" noResize="1" noEditPoints="1" noAdjustHandles="1" noChangeArrowheads="1" noChangeShapeType="1" noTextEdit="1"/>
+                </p:cNvSpPr>
+                <p:nvPr/>
+              </p:nvSpPr>
+              <p:spPr>
+                <a:xfrm>
+                  <a:off x="2014676" y="2731106"/>
+                  <a:ext cx="644301" cy="400110"/>
+                </a:xfrm>
+                <a:prstGeom prst="rect">
+                  <a:avLst/>
+                </a:prstGeom>
+                <a:blipFill rotWithShape="1">
+                  <a:blip r:embed="rId5"/>
+                  <a:stretch>
+                    <a:fillRect/>
+                  </a:stretch>
+                </a:blipFill>
+              </p:spPr>
+              <p:txBody>
+                <a:bodyPr/>
+                <a:lstStyle/>
+                <a:p>
+                  <a:r>
+                    <a:rPr lang="fr-FR">
+                      <a:noFill/>
+                    </a:rPr>
+                    <a:t> </a:t>
+                  </a:r>
+                </a:p>
+              </p:txBody>
+            </p:sp>
+          </mc:Fallback>
+        </mc:AlternateContent>
+        <mc:AlternateContent xmlns:mc="http://schemas.openxmlformats.org/markup-compatibility/2006" xmlns:a14="http://schemas.microsoft.com/office/drawing/2010/main">
+          <mc:Choice Requires="a14">
+            <p:sp>
+              <p:nvSpPr>
+                <p:cNvPr id="20" name="ZoneTexte 19"/>
+                <p:cNvSpPr txBox="1"/>
+                <p:nvPr/>
+              </p:nvSpPr>
+              <p:spPr>
+                <a:xfrm>
+                  <a:off x="1719989" y="3008692"/>
+                  <a:ext cx="644301" cy="400110"/>
+                </a:xfrm>
+                <a:prstGeom prst="rect">
+                  <a:avLst/>
+                </a:prstGeom>
+                <a:noFill/>
+              </p:spPr>
+              <p:txBody>
+                <a:bodyPr wrap="square" rtlCol="0">
+                  <a:spAutoFit/>
+                </a:bodyPr>
+                <a:lstStyle/>
+                <a:p>
+                  <a:pPr algn="ctr"/>
+                  <a:r>
+                    <a:rPr lang="fr-FR" sz="1000" dirty="0"/>
+                    <a:t>Pivot </a:t>
+                  </a:r>
+                </a:p>
+                <a:p>
+                  <a:pPr algn="ctr"/>
+                  <a14:m>
+                    <m:oMathPara xmlns:m="http://schemas.openxmlformats.org/officeDocument/2006/math">
+                      <m:oMathParaPr>
+                        <m:jc m:val="centerGroup"/>
+                      </m:oMathParaPr>
+                      <m:oMath xmlns:m="http://schemas.openxmlformats.org/officeDocument/2006/math">
+                        <m:d>
+                          <m:dPr>
+                            <m:ctrlPr>
+                              <a:rPr lang="fr-FR" sz="1000" i="1" smtClean="0">
+                                <a:latin typeface="Cambria Math"/>
+                              </a:rPr>
+                            </m:ctrlPr>
+                          </m:dPr>
+                          <m:e>
+                            <m:r>
+                              <a:rPr lang="fr-FR" sz="1000" b="0" i="1" smtClean="0">
+                                <a:latin typeface="Cambria Math"/>
+                              </a:rPr>
+                              <m:t>𝐷</m:t>
+                            </m:r>
+                            <m:r>
+                              <a:rPr lang="fr-FR" sz="1000" b="0" i="1" smtClean="0">
+                                <a:latin typeface="Cambria Math"/>
+                              </a:rPr>
+                              <m:t>,</m:t>
+                            </m:r>
+                            <m:acc>
+                              <m:accPr>
+                                <m:chr m:val="⃗"/>
+                                <m:ctrlPr>
+                                  <a:rPr lang="fr-FR" sz="1000" b="0" i="1" smtClean="0">
+                                    <a:latin typeface="Cambria Math"/>
+                                  </a:rPr>
+                                </m:ctrlPr>
+                              </m:accPr>
+                              <m:e>
+                                <m:r>
+                                  <a:rPr lang="fr-FR" sz="1000" b="0" i="1" smtClean="0">
+                                    <a:latin typeface="Cambria Math"/>
+                                  </a:rPr>
+                                  <m:t>𝑧</m:t>
+                                </m:r>
+                              </m:e>
+                            </m:acc>
+                          </m:e>
+                        </m:d>
+                      </m:oMath>
+                    </m:oMathPara>
+                  </a14:m>
+                  <a:endParaRPr lang="fr-FR" sz="1000" dirty="0"/>
+                </a:p>
+              </p:txBody>
+            </p:sp>
+          </mc:Choice>
+          <mc:Fallback xmlns="">
+            <p:sp>
+              <p:nvSpPr>
+                <p:cNvPr id="20" name="ZoneTexte 19"/>
+                <p:cNvSpPr txBox="1">
+                  <a:spLocks noRot="1" noChangeAspect="1" noMove="1" noResize="1" noEditPoints="1" noAdjustHandles="1" noChangeArrowheads="1" noChangeShapeType="1" noTextEdit="1"/>
+                </p:cNvSpPr>
+                <p:nvPr/>
+              </p:nvSpPr>
+              <p:spPr>
+                <a:xfrm>
+                  <a:off x="1719989" y="3008692"/>
+                  <a:ext cx="644301" cy="400110"/>
+                </a:xfrm>
+                <a:prstGeom prst="rect">
+                  <a:avLst/>
+                </a:prstGeom>
+                <a:blipFill rotWithShape="1">
+                  <a:blip r:embed="rId6"/>
+                  <a:stretch>
+                    <a:fillRect/>
+                  </a:stretch>
+                </a:blipFill>
+              </p:spPr>
+              <p:txBody>
+                <a:bodyPr/>
+                <a:lstStyle/>
+                <a:p>
+                  <a:r>
+                    <a:rPr lang="fr-FR">
+                      <a:noFill/>
+                    </a:rPr>
+                    <a:t> </a:t>
+                  </a:r>
+                </a:p>
+              </p:txBody>
+            </p:sp>
+          </mc:Fallback>
+        </mc:AlternateContent>
+        <mc:AlternateContent xmlns:mc="http://schemas.openxmlformats.org/markup-compatibility/2006" xmlns:a14="http://schemas.microsoft.com/office/drawing/2010/main">
+          <mc:Choice Requires="a14">
+            <p:sp>
+              <p:nvSpPr>
+                <p:cNvPr id="21" name="ZoneTexte 20"/>
+                <p:cNvSpPr txBox="1"/>
+                <p:nvPr/>
+              </p:nvSpPr>
+              <p:spPr>
+                <a:xfrm>
+                  <a:off x="1045512" y="2920878"/>
+                  <a:ext cx="644301" cy="400110"/>
+                </a:xfrm>
+                <a:prstGeom prst="rect">
+                  <a:avLst/>
+                </a:prstGeom>
+                <a:noFill/>
+              </p:spPr>
+              <p:txBody>
+                <a:bodyPr wrap="square" rtlCol="0">
+                  <a:spAutoFit/>
+                </a:bodyPr>
+                <a:lstStyle/>
+                <a:p>
+                  <a:pPr algn="ctr"/>
+                  <a:r>
+                    <a:rPr lang="fr-FR" sz="1000" dirty="0"/>
+                    <a:t>Pivot </a:t>
+                  </a:r>
+                </a:p>
+                <a:p>
+                  <a:pPr algn="ctr"/>
+                  <a14:m>
+                    <m:oMathPara xmlns:m="http://schemas.openxmlformats.org/officeDocument/2006/math">
+                      <m:oMathParaPr>
+                        <m:jc m:val="centerGroup"/>
+                      </m:oMathParaPr>
+                      <m:oMath xmlns:m="http://schemas.openxmlformats.org/officeDocument/2006/math">
+                        <m:d>
+                          <m:dPr>
+                            <m:ctrlPr>
+                              <a:rPr lang="fr-FR" sz="1000" i="1" smtClean="0">
+                                <a:latin typeface="Cambria Math"/>
+                              </a:rPr>
+                            </m:ctrlPr>
+                          </m:dPr>
+                          <m:e>
+                            <m:r>
+                              <a:rPr lang="fr-FR" sz="1000" b="0" i="1" smtClean="0">
+                                <a:latin typeface="Cambria Math"/>
+                              </a:rPr>
+                              <m:t>𝐸</m:t>
+                            </m:r>
+                            <m:r>
+                              <a:rPr lang="fr-FR" sz="1000" b="0" i="1" smtClean="0">
+                                <a:latin typeface="Cambria Math"/>
+                              </a:rPr>
+                              <m:t>,</m:t>
+                            </m:r>
+                            <m:acc>
+                              <m:accPr>
+                                <m:chr m:val="⃗"/>
+                                <m:ctrlPr>
+                                  <a:rPr lang="fr-FR" sz="1000" b="0" i="1" smtClean="0">
+                                    <a:latin typeface="Cambria Math"/>
+                                  </a:rPr>
+                                </m:ctrlPr>
+                              </m:accPr>
+                              <m:e>
+                                <m:r>
+                                  <a:rPr lang="fr-FR" sz="1000" b="0" i="1" smtClean="0">
+                                    <a:latin typeface="Cambria Math"/>
+                                  </a:rPr>
+                                  <m:t>𝑧</m:t>
+                                </m:r>
+                              </m:e>
+                            </m:acc>
+                          </m:e>
+                        </m:d>
+                      </m:oMath>
+                    </m:oMathPara>
+                  </a14:m>
+                  <a:endParaRPr lang="fr-FR" sz="1000" dirty="0"/>
+                </a:p>
+              </p:txBody>
+            </p:sp>
+          </mc:Choice>
+          <mc:Fallback xmlns="">
+            <p:sp>
+              <p:nvSpPr>
+                <p:cNvPr id="21" name="ZoneTexte 20"/>
+                <p:cNvSpPr txBox="1">
+                  <a:spLocks noRot="1" noChangeAspect="1" noMove="1" noResize="1" noEditPoints="1" noAdjustHandles="1" noChangeArrowheads="1" noChangeShapeType="1" noTextEdit="1"/>
+                </p:cNvSpPr>
+                <p:nvPr/>
+              </p:nvSpPr>
+              <p:spPr>
+                <a:xfrm>
+                  <a:off x="1045512" y="2920878"/>
+                  <a:ext cx="644301" cy="400110"/>
+                </a:xfrm>
+                <a:prstGeom prst="rect">
+                  <a:avLst/>
+                </a:prstGeom>
+                <a:blipFill rotWithShape="1">
+                  <a:blip r:embed="rId7"/>
+                  <a:stretch>
+                    <a:fillRect/>
+                  </a:stretch>
+                </a:blipFill>
+              </p:spPr>
+              <p:txBody>
+                <a:bodyPr/>
+                <a:lstStyle/>
+                <a:p>
+                  <a:r>
+                    <a:rPr lang="fr-FR">
+                      <a:noFill/>
+                    </a:rPr>
+                    <a:t> </a:t>
+                  </a:r>
+                </a:p>
+              </p:txBody>
+            </p:sp>
+          </mc:Fallback>
+        </mc:AlternateContent>
+        <p:cxnSp>
+          <p:nvCxnSpPr>
+            <p:cNvPr id="22" name="Connecteur droit 21"/>
+            <p:cNvCxnSpPr>
+              <a:stCxn id="13" idx="2"/>
+              <a:endCxn id="7" idx="6"/>
+            </p:cNvCxnSpPr>
+            <p:nvPr/>
+          </p:nvCxnSpPr>
+          <p:spPr>
+            <a:xfrm flipH="1">
+              <a:off x="1797826" y="3429000"/>
+              <a:ext cx="733406" cy="0"/>
+            </a:xfrm>
+            <a:prstGeom prst="line">
+              <a:avLst/>
+            </a:prstGeom>
+            <a:solidFill>
+              <a:schemeClr val="bg1"/>
+            </a:solidFill>
+            <a:ln w="19050">
+              <a:solidFill>
+                <a:srgbClr val="FF0000"/>
+              </a:solidFill>
+            </a:ln>
+          </p:spPr>
+          <p:style>
+            <a:lnRef idx="2">
+              <a:schemeClr val="accent1">
+                <a:shade val="50000"/>
+              </a:schemeClr>
+            </a:lnRef>
+            <a:fillRef idx="1">
+              <a:schemeClr val="accent1"/>
+            </a:fillRef>
+            <a:effectRef idx="0">
+              <a:schemeClr val="accent1"/>
+            </a:effectRef>
+            <a:fontRef idx="minor">
+              <a:schemeClr val="lt1"/>
+            </a:fontRef>
+          </p:style>
+        </p:cxnSp>
+        <p:cxnSp>
+          <p:nvCxnSpPr>
+            <p:cNvPr id="23" name="Connecteur droit 22"/>
+            <p:cNvCxnSpPr>
+              <a:stCxn id="13" idx="0"/>
+            </p:cNvCxnSpPr>
+            <p:nvPr/>
+          </p:nvCxnSpPr>
+          <p:spPr>
+            <a:xfrm flipV="1">
+              <a:off x="2639244" y="2811604"/>
+              <a:ext cx="0" cy="509384"/>
+            </a:xfrm>
+            <a:prstGeom prst="line">
+              <a:avLst/>
+            </a:prstGeom>
+            <a:solidFill>
+              <a:schemeClr val="bg1"/>
+            </a:solidFill>
+            <a:ln w="19050">
+              <a:solidFill>
+                <a:srgbClr val="FF0000"/>
+              </a:solidFill>
+            </a:ln>
+          </p:spPr>
+          <p:style>
+            <a:lnRef idx="2">
+              <a:schemeClr val="accent1">
+                <a:shade val="50000"/>
+              </a:schemeClr>
+            </a:lnRef>
+            <a:fillRef idx="1">
+              <a:schemeClr val="accent1"/>
+            </a:fillRef>
+            <a:effectRef idx="0">
+              <a:schemeClr val="accent1"/>
+            </a:effectRef>
+            <a:fontRef idx="minor">
+              <a:schemeClr val="lt1"/>
+            </a:fontRef>
+          </p:style>
+        </p:cxnSp>
+        <p:cxnSp>
+          <p:nvCxnSpPr>
+            <p:cNvPr id="24" name="Connecteur droit 23"/>
+            <p:cNvCxnSpPr>
+              <a:stCxn id="11" idx="4"/>
+            </p:cNvCxnSpPr>
+            <p:nvPr/>
+          </p:nvCxnSpPr>
+          <p:spPr>
+            <a:xfrm>
+              <a:off x="2639244" y="2060848"/>
+              <a:ext cx="0" cy="534732"/>
+            </a:xfrm>
+            <a:prstGeom prst="line">
+              <a:avLst/>
+            </a:prstGeom>
+            <a:solidFill>
+              <a:schemeClr val="bg1"/>
+            </a:solidFill>
+            <a:ln w="19050">
+              <a:solidFill>
+                <a:srgbClr val="FF0000"/>
+              </a:solidFill>
+            </a:ln>
+          </p:spPr>
+          <p:style>
+            <a:lnRef idx="2">
+              <a:schemeClr val="accent1">
+                <a:shade val="50000"/>
+              </a:schemeClr>
+            </a:lnRef>
+            <a:fillRef idx="1">
+              <a:schemeClr val="accent1"/>
+            </a:fillRef>
+            <a:effectRef idx="0">
+              <a:schemeClr val="accent1"/>
+            </a:effectRef>
+            <a:fontRef idx="minor">
+              <a:schemeClr val="lt1"/>
+            </a:fontRef>
+          </p:style>
+        </p:cxnSp>
+        <p:cxnSp>
+          <p:nvCxnSpPr>
+            <p:cNvPr id="25" name="Connecteur droit 24"/>
+            <p:cNvCxnSpPr>
+              <a:stCxn id="6" idx="6"/>
+              <a:endCxn id="11" idx="2"/>
+            </p:cNvCxnSpPr>
+            <p:nvPr/>
+          </p:nvCxnSpPr>
+          <p:spPr>
+            <a:xfrm>
+              <a:off x="1797826" y="1952836"/>
+              <a:ext cx="733406" cy="0"/>
+            </a:xfrm>
+            <a:prstGeom prst="line">
+              <a:avLst/>
+            </a:prstGeom>
+            <a:solidFill>
+              <a:schemeClr val="bg1"/>
+            </a:solidFill>
+            <a:ln w="19050">
+              <a:solidFill>
+                <a:srgbClr val="FF0000"/>
+              </a:solidFill>
+            </a:ln>
+          </p:spPr>
+          <p:style>
+            <a:lnRef idx="2">
+              <a:schemeClr val="accent1">
+                <a:shade val="50000"/>
+              </a:schemeClr>
+            </a:lnRef>
+            <a:fillRef idx="1">
+              <a:schemeClr val="accent1"/>
+            </a:fillRef>
+            <a:effectRef idx="0">
+              <a:schemeClr val="accent1"/>
+            </a:effectRef>
+            <a:fontRef idx="minor">
+              <a:schemeClr val="lt1"/>
+            </a:fontRef>
+          </p:style>
+        </p:cxnSp>
+        <p:sp>
+          <p:nvSpPr>
+            <p:cNvPr id="26" name="ZoneTexte 25"/>
+            <p:cNvSpPr txBox="1"/>
+            <p:nvPr/>
+          </p:nvSpPr>
+          <p:spPr>
+            <a:xfrm>
+              <a:off x="1842378" y="1619955"/>
+              <a:ext cx="644301" cy="246221"/>
+            </a:xfrm>
+            <a:prstGeom prst="rect">
+              <a:avLst/>
+            </a:prstGeom>
+            <a:noFill/>
+          </p:spPr>
+          <p:txBody>
+            <a:bodyPr wrap="square" rtlCol="0">
+              <a:spAutoFit/>
+            </a:bodyPr>
+            <a:lstStyle/>
+            <a:p>
+              <a:pPr algn="ctr"/>
+              <a:r>
+                <a:rPr lang="fr-FR" sz="1000" dirty="0"/>
+                <a:t>Eng</a:t>
+              </a:r>
+            </a:p>
+          </p:txBody>
+        </p:sp>
+        <p:sp>
+          <p:nvSpPr>
+            <p:cNvPr id="27" name="ZoneTexte 26"/>
+            <p:cNvSpPr txBox="1"/>
+            <p:nvPr/>
+          </p:nvSpPr>
+          <p:spPr>
+            <a:xfrm>
+              <a:off x="2658977" y="2227106"/>
+              <a:ext cx="644301" cy="246221"/>
+            </a:xfrm>
+            <a:prstGeom prst="rect">
+              <a:avLst/>
+            </a:prstGeom>
+            <a:noFill/>
+          </p:spPr>
+          <p:txBody>
+            <a:bodyPr wrap="square" rtlCol="0">
+              <a:spAutoFit/>
+            </a:bodyPr>
+            <a:lstStyle/>
+            <a:p>
+              <a:pPr algn="ctr"/>
+              <a:r>
+                <a:rPr lang="fr-FR" sz="1000" dirty="0"/>
+                <a:t>Eng</a:t>
+              </a:r>
+            </a:p>
+          </p:txBody>
+        </p:sp>
+        <p:sp>
+          <p:nvSpPr>
+            <p:cNvPr id="28" name="ZoneTexte 27"/>
+            <p:cNvSpPr txBox="1"/>
+            <p:nvPr/>
+          </p:nvSpPr>
+          <p:spPr>
+            <a:xfrm>
+              <a:off x="2658977" y="2905128"/>
+              <a:ext cx="644301" cy="246221"/>
+            </a:xfrm>
+            <a:prstGeom prst="rect">
+              <a:avLst/>
+            </a:prstGeom>
+            <a:noFill/>
+          </p:spPr>
+          <p:txBody>
+            <a:bodyPr wrap="square" rtlCol="0">
+              <a:spAutoFit/>
+            </a:bodyPr>
+            <a:lstStyle/>
+            <a:p>
+              <a:pPr algn="ctr"/>
+              <a:r>
+                <a:rPr lang="fr-FR" sz="1000" dirty="0"/>
+                <a:t>Eng</a:t>
+              </a:r>
+            </a:p>
+          </p:txBody>
+        </p:sp>
+        <p:sp>
+          <p:nvSpPr>
+            <p:cNvPr id="29" name="ZoneTexte 28"/>
+            <p:cNvSpPr txBox="1"/>
+            <p:nvPr/>
+          </p:nvSpPr>
+          <p:spPr>
+            <a:xfrm>
+              <a:off x="1842378" y="3533681"/>
+              <a:ext cx="644301" cy="246221"/>
+            </a:xfrm>
+            <a:prstGeom prst="rect">
+              <a:avLst/>
+            </a:prstGeom>
+            <a:noFill/>
+          </p:spPr>
+          <p:txBody>
+            <a:bodyPr wrap="square" rtlCol="0">
+              <a:spAutoFit/>
+            </a:bodyPr>
+            <a:lstStyle/>
+            <a:p>
+              <a:pPr algn="ctr"/>
+              <a:r>
+                <a:rPr lang="fr-FR" sz="1000" dirty="0"/>
+                <a:t>Eng</a:t>
+              </a:r>
+            </a:p>
+          </p:txBody>
+        </p:sp>
+      </p:grpSp>
+      <p:grpSp>
+        <p:nvGrpSpPr>
+          <p:cNvPr id="151" name="Groupe 150"/>
+          <p:cNvGrpSpPr/>
+          <p:nvPr/>
+        </p:nvGrpSpPr>
+        <p:grpSpPr>
+          <a:xfrm>
+            <a:off x="58397" y="3695391"/>
+            <a:ext cx="2223487" cy="2553938"/>
+            <a:chOff x="45434" y="1843780"/>
+            <a:chExt cx="2223487" cy="2553938"/>
+          </a:xfrm>
+        </p:grpSpPr>
+        <p:sp>
+          <p:nvSpPr>
+            <p:cNvPr id="104" name="Rectangle 103"/>
+            <p:cNvSpPr/>
+            <p:nvPr/>
+          </p:nvSpPr>
+          <p:spPr>
+            <a:xfrm>
+              <a:off x="441108" y="4255736"/>
+              <a:ext cx="295552" cy="141982"/>
+            </a:xfrm>
+            <a:prstGeom prst="rect">
+              <a:avLst/>
+            </a:prstGeom>
+            <a:solidFill>
+              <a:schemeClr val="bg1">
+                <a:lumMod val="85000"/>
+              </a:schemeClr>
+            </a:solidFill>
+            <a:ln>
+              <a:noFill/>
+            </a:ln>
+          </p:spPr>
+          <p:style>
+            <a:lnRef idx="2">
+              <a:schemeClr val="accent1">
+                <a:shade val="50000"/>
+              </a:schemeClr>
+            </a:lnRef>
+            <a:fillRef idx="1">
+              <a:schemeClr val="accent1"/>
+            </a:fillRef>
+            <a:effectRef idx="0">
+              <a:schemeClr val="accent1"/>
+            </a:effectRef>
+            <a:fontRef idx="minor">
+              <a:schemeClr val="lt1"/>
+            </a:fontRef>
+          </p:style>
+          <p:txBody>
+            <a:bodyPr rtlCol="0" anchor="ctr"/>
+            <a:lstStyle/>
+            <a:p>
+              <a:pPr algn="ctr"/>
+              <a:endParaRPr lang="fr-FR"/>
+            </a:p>
+          </p:txBody>
+        </p:sp>
+        <p:sp>
+          <p:nvSpPr>
+            <p:cNvPr id="30" name="Ellipse 29"/>
+            <p:cNvSpPr/>
+            <p:nvPr/>
+          </p:nvSpPr>
+          <p:spPr>
+            <a:xfrm>
+              <a:off x="153446" y="3239240"/>
+              <a:ext cx="864096" cy="864096"/>
+            </a:xfrm>
+            <a:prstGeom prst="ellipse">
+              <a:avLst/>
+            </a:prstGeom>
+            <a:solidFill>
+              <a:schemeClr val="bg1"/>
+            </a:solidFill>
+            <a:ln w="19050">
+              <a:solidFill>
+                <a:schemeClr val="tx1"/>
+              </a:solidFill>
+            </a:ln>
+          </p:spPr>
+          <p:style>
+            <a:lnRef idx="2">
+              <a:schemeClr val="accent1">
+                <a:shade val="50000"/>
+              </a:schemeClr>
+            </a:lnRef>
+            <a:fillRef idx="1">
+              <a:schemeClr val="accent1"/>
+            </a:fillRef>
+            <a:effectRef idx="0">
+              <a:schemeClr val="accent1"/>
+            </a:effectRef>
+            <a:fontRef idx="minor">
+              <a:schemeClr val="lt1"/>
+            </a:fontRef>
+          </p:style>
+          <p:txBody>
+            <a:bodyPr lIns="0" tIns="0" rIns="0" bIns="0" rtlCol="0" anchor="ctr"/>
+            <a:lstStyle/>
+            <a:p>
+              <a:pPr algn="ctr"/>
+              <a:endParaRPr lang="fr-FR" sz="1000" b="1" dirty="0">
+                <a:solidFill>
+                  <a:srgbClr val="7030A0"/>
+                </a:solidFill>
+              </a:endParaRPr>
+            </a:p>
+          </p:txBody>
+        </p:sp>
+        <p:cxnSp>
+          <p:nvCxnSpPr>
+            <p:cNvPr id="32" name="Connecteur droit 31"/>
+            <p:cNvCxnSpPr/>
+            <p:nvPr/>
+          </p:nvCxnSpPr>
+          <p:spPr>
+            <a:xfrm flipH="1">
+              <a:off x="153446" y="1843780"/>
+              <a:ext cx="1406948" cy="1477459"/>
+            </a:xfrm>
+            <a:prstGeom prst="line">
+              <a:avLst/>
+            </a:prstGeom>
+            <a:solidFill>
+              <a:schemeClr val="bg1"/>
+            </a:solidFill>
+            <a:ln w="19050">
+              <a:solidFill>
+                <a:schemeClr val="tx1">
+                  <a:lumMod val="50000"/>
+                  <a:lumOff val="50000"/>
+                </a:schemeClr>
+              </a:solidFill>
+            </a:ln>
+          </p:spPr>
+          <p:style>
+            <a:lnRef idx="2">
+              <a:schemeClr val="accent1">
+                <a:shade val="50000"/>
+              </a:schemeClr>
+            </a:lnRef>
+            <a:fillRef idx="1">
+              <a:schemeClr val="accent1"/>
+            </a:fillRef>
+            <a:effectRef idx="0">
+              <a:schemeClr val="accent1"/>
+            </a:effectRef>
+            <a:fontRef idx="minor">
+              <a:schemeClr val="lt1"/>
+            </a:fontRef>
+          </p:style>
+        </p:cxnSp>
+        <p:grpSp>
+          <p:nvGrpSpPr>
+            <p:cNvPr id="38" name="Groupe 37"/>
+            <p:cNvGrpSpPr/>
+            <p:nvPr/>
+          </p:nvGrpSpPr>
+          <p:grpSpPr>
+            <a:xfrm>
+              <a:off x="609660" y="2872356"/>
+              <a:ext cx="759168" cy="759168"/>
+              <a:chOff x="1716216" y="2623718"/>
+              <a:chExt cx="759168" cy="759168"/>
+            </a:xfrm>
+          </p:grpSpPr>
+          <p:sp>
+            <p:nvSpPr>
+              <p:cNvPr id="31" name="Ellipse 30"/>
+              <p:cNvSpPr/>
+              <p:nvPr/>
+            </p:nvSpPr>
+            <p:spPr>
+              <a:xfrm flipV="1">
+                <a:off x="1952154" y="2859656"/>
+                <a:ext cx="287292" cy="287292"/>
+              </a:xfrm>
+              <a:prstGeom prst="ellipse">
+                <a:avLst/>
+              </a:prstGeom>
+              <a:noFill/>
+              <a:ln w="19050">
+                <a:solidFill>
+                  <a:srgbClr val="7030A0"/>
+                </a:solidFill>
+              </a:ln>
+            </p:spPr>
+            <p:style>
+              <a:lnRef idx="2">
+                <a:schemeClr val="accent1">
+                  <a:shade val="50000"/>
+                </a:schemeClr>
+              </a:lnRef>
+              <a:fillRef idx="1">
+                <a:schemeClr val="accent1"/>
+              </a:fillRef>
+              <a:effectRef idx="0">
+                <a:schemeClr val="accent1"/>
+              </a:effectRef>
+              <a:fontRef idx="minor">
+                <a:schemeClr val="lt1"/>
+              </a:fontRef>
+            </p:style>
+            <p:txBody>
+              <a:bodyPr lIns="0" tIns="0" rIns="0" bIns="0" rtlCol="0" anchor="ctr"/>
+              <a:lstStyle/>
+              <a:p>
+                <a:pPr algn="ctr"/>
+                <a:endParaRPr lang="fr-FR" sz="1000" b="1" dirty="0">
+                  <a:solidFill>
+                    <a:srgbClr val="7030A0"/>
+                  </a:solidFill>
+                </a:endParaRPr>
+              </a:p>
+            </p:txBody>
+          </p:sp>
+          <p:sp>
+            <p:nvSpPr>
+              <p:cNvPr id="37" name="Ellipse 36"/>
+              <p:cNvSpPr/>
+              <p:nvPr/>
+            </p:nvSpPr>
+            <p:spPr>
+              <a:xfrm flipV="1">
+                <a:off x="1716216" y="2623718"/>
+                <a:ext cx="759168" cy="759168"/>
+              </a:xfrm>
+              <a:prstGeom prst="ellipse">
+                <a:avLst/>
+              </a:prstGeom>
+              <a:noFill/>
+              <a:ln w="19050">
+                <a:solidFill>
+                  <a:srgbClr val="7030A0"/>
+                </a:solidFill>
+              </a:ln>
+            </p:spPr>
+            <p:style>
+              <a:lnRef idx="2">
+                <a:schemeClr val="accent1">
+                  <a:shade val="50000"/>
+                </a:schemeClr>
+              </a:lnRef>
+              <a:fillRef idx="1">
+                <a:schemeClr val="accent1"/>
+              </a:fillRef>
+              <a:effectRef idx="0">
+                <a:schemeClr val="accent1"/>
+              </a:effectRef>
+              <a:fontRef idx="minor">
+                <a:schemeClr val="lt1"/>
+              </a:fontRef>
+            </p:style>
+            <p:txBody>
+              <a:bodyPr lIns="0" tIns="0" rIns="0" bIns="0" rtlCol="0" anchor="ctr"/>
+              <a:lstStyle/>
+              <a:p>
+                <a:pPr algn="ctr"/>
+                <a:endParaRPr lang="fr-FR" sz="1000" b="1" dirty="0">
+                  <a:solidFill>
+                    <a:srgbClr val="7030A0"/>
+                  </a:solidFill>
+                </a:endParaRPr>
+              </a:p>
+            </p:txBody>
+          </p:sp>
+        </p:grpSp>
+        <p:grpSp>
+          <p:nvGrpSpPr>
+            <p:cNvPr id="39" name="Groupe 38"/>
+            <p:cNvGrpSpPr/>
+            <p:nvPr/>
+          </p:nvGrpSpPr>
+          <p:grpSpPr>
+            <a:xfrm>
+              <a:off x="973146" y="2480072"/>
+              <a:ext cx="759168" cy="759168"/>
+              <a:chOff x="1716216" y="2623718"/>
+              <a:chExt cx="759168" cy="759168"/>
+            </a:xfrm>
+          </p:grpSpPr>
+          <p:sp>
+            <p:nvSpPr>
+              <p:cNvPr id="40" name="Ellipse 39"/>
+              <p:cNvSpPr/>
+              <p:nvPr/>
+            </p:nvSpPr>
+            <p:spPr>
+              <a:xfrm flipV="1">
+                <a:off x="1952154" y="2859656"/>
+                <a:ext cx="287292" cy="287292"/>
+              </a:xfrm>
+              <a:prstGeom prst="ellipse">
+                <a:avLst/>
+              </a:prstGeom>
+              <a:noFill/>
+              <a:ln w="19050">
+                <a:solidFill>
+                  <a:srgbClr val="0070C0"/>
+                </a:solidFill>
+              </a:ln>
+            </p:spPr>
+            <p:style>
+              <a:lnRef idx="2">
+                <a:schemeClr val="accent1">
+                  <a:shade val="50000"/>
+                </a:schemeClr>
+              </a:lnRef>
+              <a:fillRef idx="1">
+                <a:schemeClr val="accent1"/>
+              </a:fillRef>
+              <a:effectRef idx="0">
+                <a:schemeClr val="accent1"/>
+              </a:effectRef>
+              <a:fontRef idx="minor">
+                <a:schemeClr val="lt1"/>
+              </a:fontRef>
+            </p:style>
+            <p:txBody>
+              <a:bodyPr lIns="0" tIns="0" rIns="0" bIns="0" rtlCol="0" anchor="ctr"/>
+              <a:lstStyle/>
+              <a:p>
+                <a:pPr algn="ctr"/>
+                <a:endParaRPr lang="fr-FR" sz="1000" b="1" dirty="0">
+                  <a:solidFill>
+                    <a:srgbClr val="7030A0"/>
+                  </a:solidFill>
+                </a:endParaRPr>
+              </a:p>
+            </p:txBody>
+          </p:sp>
+          <p:sp>
+            <p:nvSpPr>
+              <p:cNvPr id="41" name="Ellipse 40"/>
+              <p:cNvSpPr/>
+              <p:nvPr/>
+            </p:nvSpPr>
+            <p:spPr>
+              <a:xfrm flipV="1">
+                <a:off x="1716216" y="2623718"/>
+                <a:ext cx="759168" cy="759168"/>
+              </a:xfrm>
+              <a:prstGeom prst="ellipse">
+                <a:avLst/>
+              </a:prstGeom>
+              <a:noFill/>
+              <a:ln w="19050">
+                <a:solidFill>
+                  <a:srgbClr val="0070C0"/>
+                </a:solidFill>
+              </a:ln>
+            </p:spPr>
+            <p:style>
+              <a:lnRef idx="2">
+                <a:schemeClr val="accent1">
+                  <a:shade val="50000"/>
+                </a:schemeClr>
+              </a:lnRef>
+              <a:fillRef idx="1">
+                <a:schemeClr val="accent1"/>
+              </a:fillRef>
+              <a:effectRef idx="0">
+                <a:schemeClr val="accent1"/>
+              </a:effectRef>
+              <a:fontRef idx="minor">
+                <a:schemeClr val="lt1"/>
+              </a:fontRef>
+            </p:style>
+            <p:txBody>
+              <a:bodyPr lIns="0" tIns="0" rIns="0" bIns="0" rtlCol="0" anchor="ctr"/>
+              <a:lstStyle/>
+              <a:p>
+                <a:pPr algn="ctr"/>
+                <a:endParaRPr lang="fr-FR" sz="1000" b="1" dirty="0">
+                  <a:solidFill>
+                    <a:srgbClr val="7030A0"/>
+                  </a:solidFill>
+                </a:endParaRPr>
+              </a:p>
+            </p:txBody>
+          </p:sp>
+        </p:grpSp>
+        <p:grpSp>
+          <p:nvGrpSpPr>
+            <p:cNvPr id="42" name="Groupe 41"/>
+            <p:cNvGrpSpPr/>
+            <p:nvPr/>
+          </p:nvGrpSpPr>
+          <p:grpSpPr>
+            <a:xfrm>
+              <a:off x="1336632" y="2087788"/>
+              <a:ext cx="759168" cy="759168"/>
+              <a:chOff x="1716216" y="2623718"/>
+              <a:chExt cx="759168" cy="759168"/>
+            </a:xfrm>
+          </p:grpSpPr>
+          <p:sp>
+            <p:nvSpPr>
+              <p:cNvPr id="43" name="Ellipse 42"/>
+              <p:cNvSpPr/>
+              <p:nvPr/>
+            </p:nvSpPr>
+            <p:spPr>
+              <a:xfrm flipV="1">
+                <a:off x="1952154" y="2859656"/>
+                <a:ext cx="287292" cy="287292"/>
+              </a:xfrm>
+              <a:prstGeom prst="ellipse">
+                <a:avLst/>
+              </a:prstGeom>
+              <a:noFill/>
+              <a:ln w="19050">
+                <a:solidFill>
+                  <a:srgbClr val="00B050"/>
+                </a:solidFill>
+              </a:ln>
+            </p:spPr>
+            <p:style>
+              <a:lnRef idx="2">
+                <a:schemeClr val="accent1">
+                  <a:shade val="50000"/>
+                </a:schemeClr>
+              </a:lnRef>
+              <a:fillRef idx="1">
+                <a:schemeClr val="accent1"/>
+              </a:fillRef>
+              <a:effectRef idx="0">
+                <a:schemeClr val="accent1"/>
+              </a:effectRef>
+              <a:fontRef idx="minor">
+                <a:schemeClr val="lt1"/>
+              </a:fontRef>
+            </p:style>
+            <p:txBody>
+              <a:bodyPr lIns="0" tIns="0" rIns="0" bIns="0" rtlCol="0" anchor="ctr"/>
+              <a:lstStyle/>
+              <a:p>
+                <a:pPr algn="ctr"/>
+                <a:endParaRPr lang="fr-FR" sz="1000" b="1" dirty="0">
+                  <a:solidFill>
+                    <a:srgbClr val="7030A0"/>
+                  </a:solidFill>
+                </a:endParaRPr>
+              </a:p>
+            </p:txBody>
+          </p:sp>
+          <p:sp>
+            <p:nvSpPr>
+              <p:cNvPr id="44" name="Ellipse 43"/>
+              <p:cNvSpPr/>
+              <p:nvPr/>
+            </p:nvSpPr>
+            <p:spPr>
+              <a:xfrm flipV="1">
+                <a:off x="1716216" y="2623718"/>
+                <a:ext cx="759168" cy="759168"/>
+              </a:xfrm>
+              <a:prstGeom prst="ellipse">
+                <a:avLst/>
+              </a:prstGeom>
+              <a:noFill/>
+              <a:ln w="19050">
+                <a:solidFill>
+                  <a:srgbClr val="00B050"/>
+                </a:solidFill>
+              </a:ln>
+            </p:spPr>
+            <p:style>
+              <a:lnRef idx="2">
+                <a:schemeClr val="accent1">
+                  <a:shade val="50000"/>
+                </a:schemeClr>
+              </a:lnRef>
+              <a:fillRef idx="1">
+                <a:schemeClr val="accent1"/>
+              </a:fillRef>
+              <a:effectRef idx="0">
+                <a:schemeClr val="accent1"/>
+              </a:effectRef>
+              <a:fontRef idx="minor">
+                <a:schemeClr val="lt1"/>
+              </a:fontRef>
+            </p:style>
+            <p:txBody>
+              <a:bodyPr lIns="0" tIns="0" rIns="0" bIns="0" rtlCol="0" anchor="ctr"/>
+              <a:lstStyle/>
+              <a:p>
+                <a:pPr algn="ctr"/>
+                <a:endParaRPr lang="fr-FR" sz="1000" b="1" dirty="0">
+                  <a:solidFill>
+                    <a:srgbClr val="7030A0"/>
+                  </a:solidFill>
+                </a:endParaRPr>
+              </a:p>
+            </p:txBody>
+          </p:sp>
+        </p:grpSp>
+        <p:sp>
+          <p:nvSpPr>
+            <p:cNvPr id="46" name="Ellipse 45"/>
+            <p:cNvSpPr/>
+            <p:nvPr/>
+          </p:nvSpPr>
+          <p:spPr>
+            <a:xfrm flipV="1">
+              <a:off x="1783108" y="2126835"/>
+              <a:ext cx="287292" cy="287292"/>
+            </a:xfrm>
+            <a:prstGeom prst="ellipse">
+              <a:avLst/>
+            </a:prstGeom>
+            <a:noFill/>
+            <a:ln w="19050">
+              <a:solidFill>
+                <a:srgbClr val="FF0000"/>
+              </a:solidFill>
+            </a:ln>
+          </p:spPr>
+          <p:style>
+            <a:lnRef idx="2">
+              <a:schemeClr val="accent1">
+                <a:shade val="50000"/>
+              </a:schemeClr>
+            </a:lnRef>
+            <a:fillRef idx="1">
+              <a:schemeClr val="accent1"/>
+            </a:fillRef>
+            <a:effectRef idx="0">
+              <a:schemeClr val="accent1"/>
+            </a:effectRef>
+            <a:fontRef idx="minor">
+              <a:schemeClr val="lt1"/>
+            </a:fontRef>
+          </p:style>
+          <p:txBody>
+            <a:bodyPr lIns="0" tIns="0" rIns="0" bIns="0" rtlCol="0" anchor="ctr"/>
+            <a:lstStyle/>
+            <a:p>
+              <a:pPr algn="ctr"/>
+              <a:endParaRPr lang="fr-FR" sz="1000" b="1" dirty="0">
+                <a:solidFill>
+                  <a:srgbClr val="7030A0"/>
+                </a:solidFill>
+              </a:endParaRPr>
+            </a:p>
+          </p:txBody>
+        </p:sp>
+        <p:cxnSp>
+          <p:nvCxnSpPr>
+            <p:cNvPr id="49" name="Connecteur droit 48"/>
+            <p:cNvCxnSpPr>
+              <a:stCxn id="54" idx="3"/>
+            </p:cNvCxnSpPr>
+            <p:nvPr/>
+          </p:nvCxnSpPr>
+          <p:spPr>
+            <a:xfrm flipH="1" flipV="1">
+              <a:off x="171347" y="3239240"/>
+              <a:ext cx="363235" cy="381136"/>
+            </a:xfrm>
+            <a:prstGeom prst="line">
+              <a:avLst/>
+            </a:prstGeom>
+            <a:solidFill>
+              <a:schemeClr val="bg1"/>
+            </a:solidFill>
+            <a:ln w="19050">
+              <a:solidFill>
+                <a:schemeClr val="tx1">
+                  <a:lumMod val="50000"/>
+                  <a:lumOff val="50000"/>
+                </a:schemeClr>
+              </a:solidFill>
+            </a:ln>
+          </p:spPr>
+          <p:style>
+            <a:lnRef idx="2">
+              <a:schemeClr val="accent1">
+                <a:shade val="50000"/>
+              </a:schemeClr>
+            </a:lnRef>
+            <a:fillRef idx="1">
+              <a:schemeClr val="accent1"/>
+            </a:fillRef>
+            <a:effectRef idx="0">
+              <a:schemeClr val="accent1"/>
+            </a:effectRef>
+            <a:fontRef idx="minor">
+              <a:schemeClr val="lt1"/>
+            </a:fontRef>
+          </p:style>
+        </p:cxnSp>
+        <p:sp>
+          <p:nvSpPr>
+            <p:cNvPr id="50" name="Ellipse 49"/>
+            <p:cNvSpPr/>
+            <p:nvPr/>
+          </p:nvSpPr>
+          <p:spPr>
+            <a:xfrm flipV="1">
+              <a:off x="1854753" y="2198481"/>
+              <a:ext cx="144000" cy="144000"/>
+            </a:xfrm>
+            <a:prstGeom prst="ellipse">
+              <a:avLst/>
+            </a:prstGeom>
+            <a:noFill/>
+            <a:ln w="19050">
+              <a:solidFill>
+                <a:schemeClr val="tx1">
+                  <a:lumMod val="50000"/>
+                  <a:lumOff val="50000"/>
+                </a:schemeClr>
+              </a:solidFill>
+            </a:ln>
+          </p:spPr>
+          <p:style>
+            <a:lnRef idx="2">
+              <a:schemeClr val="accent1">
+                <a:shade val="50000"/>
+              </a:schemeClr>
+            </a:lnRef>
+            <a:fillRef idx="1">
+              <a:schemeClr val="accent1"/>
+            </a:fillRef>
+            <a:effectRef idx="0">
+              <a:schemeClr val="accent1"/>
+            </a:effectRef>
+            <a:fontRef idx="minor">
+              <a:schemeClr val="lt1"/>
+            </a:fontRef>
+          </p:style>
+          <p:txBody>
+            <a:bodyPr lIns="0" tIns="0" rIns="0" bIns="0" rtlCol="0" anchor="ctr"/>
+            <a:lstStyle/>
+            <a:p>
+              <a:pPr algn="ctr"/>
+              <a:endParaRPr lang="fr-FR" sz="1000" b="1" dirty="0">
+                <a:solidFill>
+                  <a:srgbClr val="7030A0"/>
+                </a:solidFill>
+              </a:endParaRPr>
+            </a:p>
+          </p:txBody>
+        </p:sp>
+        <p:sp>
+          <p:nvSpPr>
+            <p:cNvPr id="51" name="Ellipse 50"/>
+            <p:cNvSpPr/>
+            <p:nvPr/>
+          </p:nvSpPr>
+          <p:spPr>
+            <a:xfrm flipV="1">
+              <a:off x="1644216" y="2395372"/>
+              <a:ext cx="144000" cy="144000"/>
+            </a:xfrm>
+            <a:prstGeom prst="ellipse">
+              <a:avLst/>
+            </a:prstGeom>
+            <a:noFill/>
+            <a:ln w="19050">
+              <a:solidFill>
+                <a:schemeClr val="tx1">
+                  <a:lumMod val="50000"/>
+                  <a:lumOff val="50000"/>
+                </a:schemeClr>
+              </a:solidFill>
+            </a:ln>
+          </p:spPr>
+          <p:style>
+            <a:lnRef idx="2">
+              <a:schemeClr val="accent1">
+                <a:shade val="50000"/>
+              </a:schemeClr>
+            </a:lnRef>
+            <a:fillRef idx="1">
+              <a:schemeClr val="accent1"/>
+            </a:fillRef>
+            <a:effectRef idx="0">
+              <a:schemeClr val="accent1"/>
+            </a:effectRef>
+            <a:fontRef idx="minor">
+              <a:schemeClr val="lt1"/>
+            </a:fontRef>
+          </p:style>
+          <p:txBody>
+            <a:bodyPr lIns="0" tIns="0" rIns="0" bIns="0" rtlCol="0" anchor="ctr"/>
+            <a:lstStyle/>
+            <a:p>
+              <a:pPr algn="ctr"/>
+              <a:endParaRPr lang="fr-FR" sz="1000" b="1" dirty="0">
+                <a:solidFill>
+                  <a:srgbClr val="7030A0"/>
+                </a:solidFill>
+              </a:endParaRPr>
+            </a:p>
+          </p:txBody>
+        </p:sp>
+        <p:sp>
+          <p:nvSpPr>
+            <p:cNvPr id="52" name="Ellipse 51"/>
+            <p:cNvSpPr/>
+            <p:nvPr/>
+          </p:nvSpPr>
+          <p:spPr>
+            <a:xfrm flipV="1">
+              <a:off x="1280730" y="2787656"/>
+              <a:ext cx="144000" cy="144000"/>
+            </a:xfrm>
+            <a:prstGeom prst="ellipse">
+              <a:avLst/>
+            </a:prstGeom>
+            <a:noFill/>
+            <a:ln w="19050">
+              <a:solidFill>
+                <a:schemeClr val="tx1">
+                  <a:lumMod val="50000"/>
+                  <a:lumOff val="50000"/>
+                </a:schemeClr>
+              </a:solidFill>
+            </a:ln>
+          </p:spPr>
+          <p:style>
+            <a:lnRef idx="2">
+              <a:schemeClr val="accent1">
+                <a:shade val="50000"/>
+              </a:schemeClr>
+            </a:lnRef>
+            <a:fillRef idx="1">
+              <a:schemeClr val="accent1"/>
+            </a:fillRef>
+            <a:effectRef idx="0">
+              <a:schemeClr val="accent1"/>
+            </a:effectRef>
+            <a:fontRef idx="minor">
+              <a:schemeClr val="lt1"/>
+            </a:fontRef>
+          </p:style>
+          <p:txBody>
+            <a:bodyPr lIns="0" tIns="0" rIns="0" bIns="0" rtlCol="0" anchor="ctr"/>
+            <a:lstStyle/>
+            <a:p>
+              <a:pPr algn="ctr"/>
+              <a:endParaRPr lang="fr-FR" sz="1000" b="1" dirty="0">
+                <a:solidFill>
+                  <a:srgbClr val="7030A0"/>
+                </a:solidFill>
+              </a:endParaRPr>
+            </a:p>
+          </p:txBody>
+        </p:sp>
+        <p:sp>
+          <p:nvSpPr>
+            <p:cNvPr id="53" name="Ellipse 52"/>
+            <p:cNvSpPr/>
+            <p:nvPr/>
+          </p:nvSpPr>
+          <p:spPr>
+            <a:xfrm flipV="1">
+              <a:off x="917244" y="3179940"/>
+              <a:ext cx="144000" cy="144000"/>
+            </a:xfrm>
+            <a:prstGeom prst="ellipse">
+              <a:avLst/>
+            </a:prstGeom>
+            <a:noFill/>
+            <a:ln w="19050">
+              <a:solidFill>
+                <a:schemeClr val="tx1">
+                  <a:lumMod val="50000"/>
+                  <a:lumOff val="50000"/>
+                </a:schemeClr>
+              </a:solidFill>
+            </a:ln>
+          </p:spPr>
+          <p:style>
+            <a:lnRef idx="2">
+              <a:schemeClr val="accent1">
+                <a:shade val="50000"/>
+              </a:schemeClr>
+            </a:lnRef>
+            <a:fillRef idx="1">
+              <a:schemeClr val="accent1"/>
+            </a:fillRef>
+            <a:effectRef idx="0">
+              <a:schemeClr val="accent1"/>
+            </a:effectRef>
+            <a:fontRef idx="minor">
+              <a:schemeClr val="lt1"/>
+            </a:fontRef>
+          </p:style>
+          <p:txBody>
+            <a:bodyPr lIns="0" tIns="0" rIns="0" bIns="0" rtlCol="0" anchor="ctr"/>
+            <a:lstStyle/>
+            <a:p>
+              <a:pPr algn="ctr"/>
+              <a:endParaRPr lang="fr-FR" sz="1000" b="1" dirty="0">
+                <a:solidFill>
+                  <a:srgbClr val="7030A0"/>
+                </a:solidFill>
+              </a:endParaRPr>
+            </a:p>
+          </p:txBody>
+        </p:sp>
+        <p:sp>
+          <p:nvSpPr>
+            <p:cNvPr id="54" name="Ellipse 53"/>
+            <p:cNvSpPr/>
+            <p:nvPr/>
+          </p:nvSpPr>
+          <p:spPr>
+            <a:xfrm flipV="1">
+              <a:off x="513494" y="3599288"/>
+              <a:ext cx="144000" cy="144000"/>
+            </a:xfrm>
+            <a:prstGeom prst="ellipse">
+              <a:avLst/>
+            </a:prstGeom>
+            <a:noFill/>
+            <a:ln w="19050">
+              <a:solidFill>
+                <a:schemeClr val="tx1">
+                  <a:lumMod val="50000"/>
+                  <a:lumOff val="50000"/>
+                </a:schemeClr>
+              </a:solidFill>
+            </a:ln>
+          </p:spPr>
+          <p:style>
+            <a:lnRef idx="2">
+              <a:schemeClr val="accent1">
+                <a:shade val="50000"/>
+              </a:schemeClr>
+            </a:lnRef>
+            <a:fillRef idx="1">
+              <a:schemeClr val="accent1"/>
+            </a:fillRef>
+            <a:effectRef idx="0">
+              <a:schemeClr val="accent1"/>
+            </a:effectRef>
+            <a:fontRef idx="minor">
+              <a:schemeClr val="lt1"/>
+            </a:fontRef>
+          </p:style>
+          <p:txBody>
+            <a:bodyPr lIns="0" tIns="0" rIns="0" bIns="0" rtlCol="0" anchor="ctr"/>
+            <a:lstStyle/>
+            <a:p>
+              <a:pPr algn="ctr"/>
+              <a:endParaRPr lang="fr-FR" sz="1000" b="1" dirty="0">
+                <a:solidFill>
+                  <a:srgbClr val="7030A0"/>
+                </a:solidFill>
+              </a:endParaRPr>
+            </a:p>
+          </p:txBody>
+        </p:sp>
+        <p:cxnSp>
+          <p:nvCxnSpPr>
+            <p:cNvPr id="55" name="Connecteur droit 54"/>
+            <p:cNvCxnSpPr>
+              <a:stCxn id="53" idx="3"/>
+            </p:cNvCxnSpPr>
+            <p:nvPr/>
+          </p:nvCxnSpPr>
+          <p:spPr>
+            <a:xfrm flipH="1" flipV="1">
+              <a:off x="584260" y="2846956"/>
+              <a:ext cx="354072" cy="354072"/>
+            </a:xfrm>
+            <a:prstGeom prst="line">
+              <a:avLst/>
+            </a:prstGeom>
+            <a:solidFill>
+              <a:schemeClr val="bg1"/>
+            </a:solidFill>
+            <a:ln w="19050">
+              <a:solidFill>
+                <a:schemeClr val="tx1">
+                  <a:lumMod val="50000"/>
+                  <a:lumOff val="50000"/>
+                </a:schemeClr>
+              </a:solidFill>
+            </a:ln>
+          </p:spPr>
+          <p:style>
+            <a:lnRef idx="2">
+              <a:schemeClr val="accent1">
+                <a:shade val="50000"/>
+              </a:schemeClr>
+            </a:lnRef>
+            <a:fillRef idx="1">
+              <a:schemeClr val="accent1"/>
+            </a:fillRef>
+            <a:effectRef idx="0">
+              <a:schemeClr val="accent1"/>
+            </a:effectRef>
+            <a:fontRef idx="minor">
+              <a:schemeClr val="lt1"/>
+            </a:fontRef>
+          </p:style>
+        </p:cxnSp>
+        <p:cxnSp>
+          <p:nvCxnSpPr>
+            <p:cNvPr id="74" name="Connecteur droit 73"/>
+            <p:cNvCxnSpPr/>
+            <p:nvPr/>
+          </p:nvCxnSpPr>
+          <p:spPr>
+            <a:xfrm flipH="1" flipV="1">
+              <a:off x="958334" y="2458624"/>
+              <a:ext cx="354072" cy="354072"/>
+            </a:xfrm>
+            <a:prstGeom prst="line">
+              <a:avLst/>
+            </a:prstGeom>
+            <a:solidFill>
+              <a:schemeClr val="bg1"/>
+            </a:solidFill>
+            <a:ln w="19050">
+              <a:solidFill>
+                <a:schemeClr val="tx1">
+                  <a:lumMod val="50000"/>
+                  <a:lumOff val="50000"/>
+                </a:schemeClr>
+              </a:solidFill>
+            </a:ln>
+          </p:spPr>
+          <p:style>
+            <a:lnRef idx="2">
+              <a:schemeClr val="accent1">
+                <a:shade val="50000"/>
+              </a:schemeClr>
+            </a:lnRef>
+            <a:fillRef idx="1">
+              <a:schemeClr val="accent1"/>
+            </a:fillRef>
+            <a:effectRef idx="0">
+              <a:schemeClr val="accent1"/>
+            </a:effectRef>
+            <a:fontRef idx="minor">
+              <a:schemeClr val="lt1"/>
+            </a:fontRef>
+          </p:style>
+        </p:cxnSp>
+        <p:cxnSp>
+          <p:nvCxnSpPr>
+            <p:cNvPr id="75" name="Connecteur droit 74"/>
+            <p:cNvCxnSpPr/>
+            <p:nvPr/>
+          </p:nvCxnSpPr>
+          <p:spPr>
+            <a:xfrm flipH="1" flipV="1">
+              <a:off x="1333289" y="2087788"/>
+              <a:ext cx="326339" cy="326339"/>
+            </a:xfrm>
+            <a:prstGeom prst="line">
+              <a:avLst/>
+            </a:prstGeom>
+            <a:solidFill>
+              <a:schemeClr val="bg1"/>
+            </a:solidFill>
+            <a:ln w="19050">
+              <a:solidFill>
+                <a:schemeClr val="tx1">
+                  <a:lumMod val="50000"/>
+                  <a:lumOff val="50000"/>
+                </a:schemeClr>
+              </a:solidFill>
+            </a:ln>
+          </p:spPr>
+          <p:style>
+            <a:lnRef idx="2">
+              <a:schemeClr val="accent1">
+                <a:shade val="50000"/>
+              </a:schemeClr>
+            </a:lnRef>
+            <a:fillRef idx="1">
+              <a:schemeClr val="accent1"/>
+            </a:fillRef>
+            <a:effectRef idx="0">
+              <a:schemeClr val="accent1"/>
+            </a:effectRef>
+            <a:fontRef idx="minor">
+              <a:schemeClr val="lt1"/>
+            </a:fontRef>
+          </p:style>
+        </p:cxnSp>
+        <p:cxnSp>
+          <p:nvCxnSpPr>
+            <p:cNvPr id="77" name="Connecteur droit 76"/>
+            <p:cNvCxnSpPr/>
+            <p:nvPr/>
+          </p:nvCxnSpPr>
+          <p:spPr>
+            <a:xfrm flipH="1" flipV="1">
+              <a:off x="1535044" y="1860161"/>
+              <a:ext cx="358771" cy="358771"/>
+            </a:xfrm>
+            <a:prstGeom prst="line">
+              <a:avLst/>
+            </a:prstGeom>
+            <a:solidFill>
+              <a:schemeClr val="bg1"/>
+            </a:solidFill>
+            <a:ln w="19050">
+              <a:solidFill>
+                <a:schemeClr val="tx1">
+                  <a:lumMod val="50000"/>
+                  <a:lumOff val="50000"/>
+                </a:schemeClr>
+              </a:solidFill>
+            </a:ln>
+          </p:spPr>
+          <p:style>
+            <a:lnRef idx="2">
+              <a:schemeClr val="accent1">
+                <a:shade val="50000"/>
+              </a:schemeClr>
+            </a:lnRef>
+            <a:fillRef idx="1">
+              <a:schemeClr val="accent1"/>
+            </a:fillRef>
+            <a:effectRef idx="0">
+              <a:schemeClr val="accent1"/>
+            </a:effectRef>
+            <a:fontRef idx="minor">
+              <a:schemeClr val="lt1"/>
+            </a:fontRef>
+          </p:style>
+        </p:cxnSp>
+        <p:cxnSp>
+          <p:nvCxnSpPr>
+            <p:cNvPr id="98" name="Connecteur droit 97"/>
+            <p:cNvCxnSpPr>
+              <a:endCxn id="30" idx="4"/>
+            </p:cNvCxnSpPr>
+            <p:nvPr/>
+          </p:nvCxnSpPr>
+          <p:spPr>
+            <a:xfrm flipV="1">
+              <a:off x="584260" y="4103336"/>
+              <a:ext cx="1234" cy="150366"/>
+            </a:xfrm>
+            <a:prstGeom prst="line">
+              <a:avLst/>
+            </a:prstGeom>
+            <a:solidFill>
+              <a:schemeClr val="bg1"/>
+            </a:solidFill>
+            <a:ln w="19050">
+              <a:solidFill>
+                <a:schemeClr val="tx1"/>
+              </a:solidFill>
+            </a:ln>
+          </p:spPr>
+          <p:style>
+            <a:lnRef idx="2">
+              <a:schemeClr val="accent1">
+                <a:shade val="50000"/>
+              </a:schemeClr>
+            </a:lnRef>
+            <a:fillRef idx="1">
+              <a:schemeClr val="accent1"/>
+            </a:fillRef>
+            <a:effectRef idx="0">
+              <a:schemeClr val="accent1"/>
+            </a:effectRef>
+            <a:fontRef idx="minor">
+              <a:schemeClr val="lt1"/>
+            </a:fontRef>
+          </p:style>
+        </p:cxnSp>
+        <p:cxnSp>
+          <p:nvCxnSpPr>
+            <p:cNvPr id="101" name="Connecteur droit 100"/>
+            <p:cNvCxnSpPr/>
+            <p:nvPr/>
+          </p:nvCxnSpPr>
+          <p:spPr>
+            <a:xfrm flipH="1">
+              <a:off x="441108" y="4255736"/>
+              <a:ext cx="295552" cy="0"/>
+            </a:xfrm>
+            <a:prstGeom prst="line">
+              <a:avLst/>
+            </a:prstGeom>
+            <a:solidFill>
+              <a:schemeClr val="bg1"/>
+            </a:solidFill>
+            <a:ln w="19050">
+              <a:solidFill>
+                <a:schemeClr val="tx1"/>
+              </a:solidFill>
+            </a:ln>
+          </p:spPr>
+          <p:style>
+            <a:lnRef idx="2">
+              <a:schemeClr val="accent1">
+                <a:shade val="50000"/>
+              </a:schemeClr>
+            </a:lnRef>
+            <a:fillRef idx="1">
+              <a:schemeClr val="accent1"/>
+            </a:fillRef>
+            <a:effectRef idx="0">
+              <a:schemeClr val="accent1"/>
+            </a:effectRef>
+            <a:fontRef idx="minor">
+              <a:schemeClr val="lt1"/>
+            </a:fontRef>
+          </p:style>
+        </p:cxnSp>
+        <p:cxnSp>
+          <p:nvCxnSpPr>
+            <p:cNvPr id="106" name="Connecteur droit 105"/>
+            <p:cNvCxnSpPr>
+              <a:stCxn id="30" idx="3"/>
+              <a:endCxn id="54" idx="1"/>
+            </p:cNvCxnSpPr>
+            <p:nvPr/>
+          </p:nvCxnSpPr>
+          <p:spPr>
+            <a:xfrm flipV="1">
+              <a:off x="279990" y="3722200"/>
+              <a:ext cx="254592" cy="254592"/>
+            </a:xfrm>
+            <a:prstGeom prst="line">
+              <a:avLst/>
+            </a:prstGeom>
+            <a:solidFill>
+              <a:schemeClr val="bg1"/>
+            </a:solidFill>
+            <a:ln w="19050">
+              <a:solidFill>
+                <a:schemeClr val="tx1"/>
+              </a:solidFill>
+            </a:ln>
+          </p:spPr>
+          <p:style>
+            <a:lnRef idx="2">
+              <a:schemeClr val="accent1">
+                <a:shade val="50000"/>
+              </a:schemeClr>
+            </a:lnRef>
+            <a:fillRef idx="1">
+              <a:schemeClr val="accent1"/>
+            </a:fillRef>
+            <a:effectRef idx="0">
+              <a:schemeClr val="accent1"/>
+            </a:effectRef>
+            <a:fontRef idx="minor">
+              <a:schemeClr val="lt1"/>
+            </a:fontRef>
+          </p:style>
+        </p:cxnSp>
+        <p:cxnSp>
+          <p:nvCxnSpPr>
+            <p:cNvPr id="109" name="Connecteur droit 108"/>
+            <p:cNvCxnSpPr>
+              <a:stCxn id="46" idx="7"/>
+              <a:endCxn id="50" idx="7"/>
+            </p:cNvCxnSpPr>
+            <p:nvPr/>
+          </p:nvCxnSpPr>
+          <p:spPr>
+            <a:xfrm flipH="1" flipV="1">
+              <a:off x="1977665" y="2321393"/>
+              <a:ext cx="50662" cy="50661"/>
+            </a:xfrm>
+            <a:prstGeom prst="line">
+              <a:avLst/>
+            </a:prstGeom>
+            <a:solidFill>
+              <a:schemeClr val="bg1"/>
+            </a:solidFill>
+            <a:ln w="19050">
+              <a:solidFill>
+                <a:srgbClr val="FF0000"/>
+              </a:solidFill>
+            </a:ln>
+          </p:spPr>
+          <p:style>
+            <a:lnRef idx="2">
+              <a:schemeClr val="accent1">
+                <a:shade val="50000"/>
+              </a:schemeClr>
+            </a:lnRef>
+            <a:fillRef idx="1">
+              <a:schemeClr val="accent1"/>
+            </a:fillRef>
+            <a:effectRef idx="0">
+              <a:schemeClr val="accent1"/>
+            </a:effectRef>
+            <a:fontRef idx="minor">
+              <a:schemeClr val="lt1"/>
+            </a:fontRef>
+          </p:style>
+        </p:cxnSp>
+        <p:sp>
+          <p:nvSpPr>
+            <p:cNvPr id="116" name="Ellipse 115"/>
+            <p:cNvSpPr/>
+            <p:nvPr/>
+          </p:nvSpPr>
+          <p:spPr>
+            <a:xfrm>
+              <a:off x="2052897" y="2002908"/>
+              <a:ext cx="216024" cy="216024"/>
+            </a:xfrm>
+            <a:prstGeom prst="ellipse">
+              <a:avLst/>
+            </a:prstGeom>
+            <a:solidFill>
+              <a:schemeClr val="bg1"/>
+            </a:solidFill>
+            <a:ln w="19050">
+              <a:solidFill>
+                <a:srgbClr val="FF0000"/>
+              </a:solidFill>
+            </a:ln>
+          </p:spPr>
+          <p:style>
+            <a:lnRef idx="2">
+              <a:schemeClr val="accent1">
+                <a:shade val="50000"/>
+              </a:schemeClr>
+            </a:lnRef>
+            <a:fillRef idx="1">
+              <a:schemeClr val="accent1"/>
+            </a:fillRef>
+            <a:effectRef idx="0">
+              <a:schemeClr val="accent1"/>
+            </a:effectRef>
+            <a:fontRef idx="minor">
+              <a:schemeClr val="lt1"/>
+            </a:fontRef>
+          </p:style>
+          <p:txBody>
+            <a:bodyPr lIns="0" tIns="0" rIns="0" bIns="0" rtlCol="0" anchor="ctr"/>
+            <a:lstStyle/>
+            <a:p>
+              <a:pPr algn="ctr"/>
+              <a:r>
+                <a:rPr lang="fr-FR" sz="1000" b="1" dirty="0">
+                  <a:solidFill>
+                    <a:srgbClr val="FF0000"/>
+                  </a:solidFill>
+                </a:rPr>
+                <a:t>R</a:t>
+              </a:r>
+            </a:p>
+          </p:txBody>
+        </p:sp>
+        <p:sp>
+          <p:nvSpPr>
+            <p:cNvPr id="142" name="Ellipse 141"/>
+            <p:cNvSpPr/>
+            <p:nvPr/>
+          </p:nvSpPr>
+          <p:spPr>
+            <a:xfrm>
+              <a:off x="2052897" y="2644632"/>
+              <a:ext cx="216024" cy="216024"/>
+            </a:xfrm>
+            <a:prstGeom prst="ellipse">
+              <a:avLst/>
+            </a:prstGeom>
+            <a:solidFill>
+              <a:schemeClr val="bg1"/>
+            </a:solidFill>
+            <a:ln w="19050">
+              <a:solidFill>
+                <a:srgbClr val="00B050"/>
+              </a:solidFill>
+            </a:ln>
+          </p:spPr>
+          <p:style>
+            <a:lnRef idx="2">
+              <a:schemeClr val="accent1">
+                <a:shade val="50000"/>
+              </a:schemeClr>
+            </a:lnRef>
+            <a:fillRef idx="1">
+              <a:schemeClr val="accent1"/>
+            </a:fillRef>
+            <a:effectRef idx="0">
+              <a:schemeClr val="accent1"/>
+            </a:effectRef>
+            <a:fontRef idx="minor">
+              <a:schemeClr val="lt1"/>
+            </a:fontRef>
+          </p:style>
+          <p:txBody>
+            <a:bodyPr lIns="0" tIns="0" rIns="0" bIns="0" rtlCol="0" anchor="ctr"/>
+            <a:lstStyle/>
+            <a:p>
+              <a:pPr algn="ctr"/>
+              <a:r>
+                <a:rPr lang="fr-FR" sz="1000" b="1" dirty="0">
+                  <a:solidFill>
+                    <a:srgbClr val="00B050"/>
+                  </a:solidFill>
+                </a:rPr>
+                <a:t>1</a:t>
+              </a:r>
+            </a:p>
+          </p:txBody>
+        </p:sp>
+        <p:sp>
+          <p:nvSpPr>
+            <p:cNvPr id="146" name="Ellipse 145"/>
+            <p:cNvSpPr/>
+            <p:nvPr/>
+          </p:nvSpPr>
+          <p:spPr>
+            <a:xfrm>
+              <a:off x="45434" y="3143928"/>
+              <a:ext cx="216024" cy="216024"/>
+            </a:xfrm>
+            <a:prstGeom prst="ellipse">
+              <a:avLst/>
+            </a:prstGeom>
+            <a:solidFill>
+              <a:schemeClr val="bg1"/>
+            </a:solidFill>
+            <a:ln w="19050">
+              <a:solidFill>
+                <a:schemeClr val="tx1">
+                  <a:lumMod val="50000"/>
+                  <a:lumOff val="50000"/>
+                </a:schemeClr>
+              </a:solidFill>
+            </a:ln>
+          </p:spPr>
+          <p:style>
+            <a:lnRef idx="2">
+              <a:schemeClr val="accent1">
+                <a:shade val="50000"/>
+              </a:schemeClr>
+            </a:lnRef>
+            <a:fillRef idx="1">
+              <a:schemeClr val="accent1"/>
+            </a:fillRef>
+            <a:effectRef idx="0">
+              <a:schemeClr val="accent1"/>
+            </a:effectRef>
+            <a:fontRef idx="minor">
+              <a:schemeClr val="lt1"/>
+            </a:fontRef>
+          </p:style>
+          <p:txBody>
+            <a:bodyPr lIns="0" tIns="0" rIns="0" bIns="0" rtlCol="0" anchor="ctr"/>
+            <a:lstStyle/>
+            <a:p>
+              <a:pPr algn="ctr"/>
+              <a:r>
+                <a:rPr lang="fr-FR" sz="1000" b="1" dirty="0">
+                  <a:solidFill>
+                    <a:schemeClr val="tx1">
+                      <a:lumMod val="50000"/>
+                      <a:lumOff val="50000"/>
+                    </a:schemeClr>
+                  </a:solidFill>
+                </a:rPr>
+                <a:t>T</a:t>
+              </a:r>
+            </a:p>
+          </p:txBody>
+        </p:sp>
+        <p:sp>
+          <p:nvSpPr>
+            <p:cNvPr id="147" name="Ellipse 146"/>
+            <p:cNvSpPr/>
+            <p:nvPr/>
+          </p:nvSpPr>
+          <p:spPr>
+            <a:xfrm>
+              <a:off x="1728615" y="3003302"/>
+              <a:ext cx="216024" cy="216024"/>
+            </a:xfrm>
+            <a:prstGeom prst="ellipse">
+              <a:avLst/>
+            </a:prstGeom>
+            <a:solidFill>
+              <a:schemeClr val="bg1"/>
+            </a:solidFill>
+            <a:ln w="19050">
+              <a:solidFill>
+                <a:srgbClr val="0070C0"/>
+              </a:solidFill>
+            </a:ln>
+          </p:spPr>
+          <p:style>
+            <a:lnRef idx="2">
+              <a:schemeClr val="accent1">
+                <a:shade val="50000"/>
+              </a:schemeClr>
+            </a:lnRef>
+            <a:fillRef idx="1">
+              <a:schemeClr val="accent1"/>
+            </a:fillRef>
+            <a:effectRef idx="0">
+              <a:schemeClr val="accent1"/>
+            </a:effectRef>
+            <a:fontRef idx="minor">
+              <a:schemeClr val="lt1"/>
+            </a:fontRef>
+          </p:style>
+          <p:txBody>
+            <a:bodyPr lIns="0" tIns="0" rIns="0" bIns="0" rtlCol="0" anchor="ctr"/>
+            <a:lstStyle/>
+            <a:p>
+              <a:pPr algn="ctr"/>
+              <a:r>
+                <a:rPr lang="fr-FR" sz="1000" b="1" dirty="0">
+                  <a:solidFill>
+                    <a:srgbClr val="0070C0"/>
+                  </a:solidFill>
+                </a:rPr>
+                <a:t>2</a:t>
+              </a:r>
+            </a:p>
+          </p:txBody>
+        </p:sp>
+        <p:sp>
+          <p:nvSpPr>
+            <p:cNvPr id="148" name="Ellipse 147"/>
+            <p:cNvSpPr/>
+            <p:nvPr/>
+          </p:nvSpPr>
+          <p:spPr>
+            <a:xfrm>
+              <a:off x="1244718" y="3515100"/>
+              <a:ext cx="216024" cy="216024"/>
+            </a:xfrm>
+            <a:prstGeom prst="ellipse">
+              <a:avLst/>
+            </a:prstGeom>
+            <a:solidFill>
+              <a:schemeClr val="bg1"/>
+            </a:solidFill>
+            <a:ln w="19050">
+              <a:solidFill>
+                <a:srgbClr val="7030A0"/>
+              </a:solidFill>
+            </a:ln>
+          </p:spPr>
+          <p:style>
+            <a:lnRef idx="2">
+              <a:schemeClr val="accent1">
+                <a:shade val="50000"/>
+              </a:schemeClr>
+            </a:lnRef>
+            <a:fillRef idx="1">
+              <a:schemeClr val="accent1"/>
+            </a:fillRef>
+            <a:effectRef idx="0">
+              <a:schemeClr val="accent1"/>
+            </a:effectRef>
+            <a:fontRef idx="minor">
+              <a:schemeClr val="lt1"/>
+            </a:fontRef>
+          </p:style>
+          <p:txBody>
+            <a:bodyPr lIns="0" tIns="0" rIns="0" bIns="0" rtlCol="0" anchor="ctr"/>
+            <a:lstStyle/>
+            <a:p>
+              <a:pPr algn="ctr"/>
+              <a:r>
+                <a:rPr lang="fr-FR" sz="1000" b="1" dirty="0">
+                  <a:solidFill>
+                    <a:srgbClr val="7030A0"/>
+                  </a:solidFill>
+                </a:rPr>
+                <a:t>3</a:t>
+              </a:r>
+            </a:p>
+          </p:txBody>
+        </p:sp>
+        <p:sp>
+          <p:nvSpPr>
+            <p:cNvPr id="149" name="Ellipse 148"/>
+            <p:cNvSpPr/>
+            <p:nvPr/>
+          </p:nvSpPr>
+          <p:spPr>
+            <a:xfrm>
+              <a:off x="953232" y="3876758"/>
+              <a:ext cx="216024" cy="216024"/>
+            </a:xfrm>
+            <a:prstGeom prst="ellipse">
+              <a:avLst/>
+            </a:prstGeom>
+            <a:solidFill>
+              <a:schemeClr val="bg1"/>
+            </a:solidFill>
+            <a:ln w="19050">
+              <a:solidFill>
+                <a:schemeClr val="tx1"/>
+              </a:solidFill>
+            </a:ln>
+          </p:spPr>
+          <p:style>
+            <a:lnRef idx="2">
+              <a:schemeClr val="accent1">
+                <a:shade val="50000"/>
+              </a:schemeClr>
+            </a:lnRef>
+            <a:fillRef idx="1">
+              <a:schemeClr val="accent1"/>
+            </a:fillRef>
+            <a:effectRef idx="0">
+              <a:schemeClr val="accent1"/>
+            </a:effectRef>
+            <a:fontRef idx="minor">
+              <a:schemeClr val="lt1"/>
+            </a:fontRef>
+          </p:style>
+          <p:txBody>
+            <a:bodyPr lIns="0" tIns="0" rIns="0" bIns="0" rtlCol="0" anchor="ctr"/>
+            <a:lstStyle/>
+            <a:p>
+              <a:pPr algn="ctr"/>
+              <a:r>
+                <a:rPr lang="fr-FR" sz="1000" b="1" dirty="0">
+                  <a:solidFill>
+                    <a:schemeClr val="tx1"/>
+                  </a:solidFill>
+                </a:rPr>
+                <a:t>0</a:t>
+              </a:r>
+            </a:p>
+          </p:txBody>
+        </p:sp>
+      </p:grpSp>
+      <mc:AlternateContent xmlns:mc="http://schemas.openxmlformats.org/markup-compatibility/2006" xmlns:a14="http://schemas.microsoft.com/office/drawing/2010/main">
+        <mc:Choice Requires="a14">
+          <p:sp>
+            <p:nvSpPr>
+              <p:cNvPr id="4" name="ZoneTexte 3"/>
+              <p:cNvSpPr txBox="1"/>
+              <p:nvPr/>
+            </p:nvSpPr>
+            <p:spPr>
+              <a:xfrm>
+                <a:off x="1788232" y="3768046"/>
+                <a:ext cx="302967" cy="246221"/>
+              </a:xfrm>
+              <a:prstGeom prst="rect">
+                <a:avLst/>
+              </a:prstGeom>
+              <a:noFill/>
+            </p:spPr>
+            <p:txBody>
+              <a:bodyPr wrap="none" rtlCol="0">
+                <a:spAutoFit/>
+              </a:bodyPr>
+              <a:lstStyle/>
+              <a:p>
+                <a:pPr/>
+                <a14:m>
+                  <m:oMathPara xmlns:m="http://schemas.openxmlformats.org/officeDocument/2006/math">
+                    <m:oMathParaPr>
+                      <m:jc m:val="centerGroup"/>
+                    </m:oMathParaPr>
+                    <m:oMath xmlns:m="http://schemas.openxmlformats.org/officeDocument/2006/math">
+                      <m:r>
+                        <a:rPr lang="fr-FR" sz="1000" b="0" i="1" smtClean="0">
+                          <a:latin typeface="Cambria Math"/>
+                        </a:rPr>
+                        <m:t>𝐴</m:t>
+                      </m:r>
+                    </m:oMath>
+                  </m:oMathPara>
+                </a14:m>
+                <a:endParaRPr lang="fr-FR" sz="1000" dirty="0"/>
+              </a:p>
+            </p:txBody>
+          </p:sp>
+        </mc:Choice>
+        <mc:Fallback xmlns="">
+          <p:sp>
+            <p:nvSpPr>
+              <p:cNvPr id="4" name="ZoneTexte 3"/>
+              <p:cNvSpPr txBox="1">
+                <a:spLocks noRot="1" noChangeAspect="1" noMove="1" noResize="1" noEditPoints="1" noAdjustHandles="1" noChangeArrowheads="1" noChangeShapeType="1" noTextEdit="1"/>
+              </p:cNvSpPr>
+              <p:nvPr/>
+            </p:nvSpPr>
+            <p:spPr>
+              <a:xfrm>
+                <a:off x="1788232" y="3768046"/>
+                <a:ext cx="302967" cy="246221"/>
+              </a:xfrm>
+              <a:prstGeom prst="rect">
+                <a:avLst/>
+              </a:prstGeom>
+              <a:blipFill rotWithShape="1">
+                <a:blip r:embed="rId9"/>
+                <a:stretch>
+                  <a:fillRect/>
+                </a:stretch>
+              </a:blipFill>
+            </p:spPr>
+            <p:txBody>
+              <a:bodyPr/>
+              <a:lstStyle/>
+              <a:p>
+                <a:r>
+                  <a:rPr lang="fr-FR">
+                    <a:noFill/>
+                  </a:rPr>
+                  <a:t> </a:t>
+                </a:r>
+              </a:p>
+            </p:txBody>
+          </p:sp>
+        </mc:Fallback>
+      </mc:AlternateContent>
+      <mc:AlternateContent xmlns:mc="http://schemas.openxmlformats.org/markup-compatibility/2006" xmlns:a14="http://schemas.microsoft.com/office/drawing/2010/main">
+        <mc:Choice Requires="a14">
+          <p:sp>
+            <p:nvSpPr>
+              <p:cNvPr id="65" name="ZoneTexte 64"/>
+              <p:cNvSpPr txBox="1"/>
+              <p:nvPr/>
+            </p:nvSpPr>
+            <p:spPr>
+              <a:xfrm>
+                <a:off x="1505695" y="4013958"/>
+                <a:ext cx="308353" cy="246221"/>
+              </a:xfrm>
+              <a:prstGeom prst="rect">
+                <a:avLst/>
+              </a:prstGeom>
+              <a:noFill/>
+            </p:spPr>
+            <p:txBody>
+              <a:bodyPr wrap="none" rtlCol="0">
+                <a:spAutoFit/>
+              </a:bodyPr>
+              <a:lstStyle/>
+              <a:p>
+                <a:pPr/>
+                <a14:m>
+                  <m:oMathPara xmlns:m="http://schemas.openxmlformats.org/officeDocument/2006/math">
+                    <m:oMathParaPr>
+                      <m:jc m:val="centerGroup"/>
+                    </m:oMathParaPr>
+                    <m:oMath xmlns:m="http://schemas.openxmlformats.org/officeDocument/2006/math">
+                      <m:r>
+                        <a:rPr lang="fr-FR" sz="1000" b="0" i="1" smtClean="0">
+                          <a:latin typeface="Cambria Math"/>
+                        </a:rPr>
+                        <m:t>𝐵</m:t>
+                      </m:r>
+                    </m:oMath>
+                  </m:oMathPara>
+                </a14:m>
+                <a:endParaRPr lang="fr-FR" sz="1000" dirty="0"/>
+              </a:p>
+            </p:txBody>
+          </p:sp>
+        </mc:Choice>
+        <mc:Fallback xmlns="">
+          <p:sp>
+            <p:nvSpPr>
+              <p:cNvPr id="65" name="ZoneTexte 64"/>
+              <p:cNvSpPr txBox="1">
+                <a:spLocks noRot="1" noChangeAspect="1" noMove="1" noResize="1" noEditPoints="1" noAdjustHandles="1" noChangeArrowheads="1" noChangeShapeType="1" noTextEdit="1"/>
+              </p:cNvSpPr>
+              <p:nvPr/>
+            </p:nvSpPr>
+            <p:spPr>
+              <a:xfrm>
+                <a:off x="1505695" y="4013958"/>
+                <a:ext cx="308353" cy="246221"/>
+              </a:xfrm>
+              <a:prstGeom prst="rect">
+                <a:avLst/>
+              </a:prstGeom>
+              <a:blipFill rotWithShape="1">
+                <a:blip r:embed="rId10"/>
+                <a:stretch>
+                  <a:fillRect/>
+                </a:stretch>
+              </a:blipFill>
+            </p:spPr>
+            <p:txBody>
+              <a:bodyPr/>
+              <a:lstStyle/>
+              <a:p>
+                <a:r>
+                  <a:rPr lang="fr-FR">
+                    <a:noFill/>
+                  </a:rPr>
+                  <a:t> </a:t>
+                </a:r>
+              </a:p>
+            </p:txBody>
+          </p:sp>
+        </mc:Fallback>
+      </mc:AlternateContent>
+      <mc:AlternateContent xmlns:mc="http://schemas.openxmlformats.org/markup-compatibility/2006" xmlns:a14="http://schemas.microsoft.com/office/drawing/2010/main">
+        <mc:Choice Requires="a14">
+          <p:sp>
+            <p:nvSpPr>
+              <p:cNvPr id="66" name="ZoneTexte 65"/>
+              <p:cNvSpPr txBox="1"/>
+              <p:nvPr/>
+            </p:nvSpPr>
+            <p:spPr>
+              <a:xfrm>
+                <a:off x="1145535" y="4395249"/>
+                <a:ext cx="302519" cy="246221"/>
+              </a:xfrm>
+              <a:prstGeom prst="rect">
+                <a:avLst/>
+              </a:prstGeom>
+              <a:noFill/>
+            </p:spPr>
+            <p:txBody>
+              <a:bodyPr wrap="none" rtlCol="0">
+                <a:spAutoFit/>
+              </a:bodyPr>
+              <a:lstStyle/>
+              <a:p>
+                <a:pPr/>
+                <a14:m>
+                  <m:oMathPara xmlns:m="http://schemas.openxmlformats.org/officeDocument/2006/math">
+                    <m:oMathParaPr>
+                      <m:jc m:val="centerGroup"/>
+                    </m:oMathParaPr>
+                    <m:oMath xmlns:m="http://schemas.openxmlformats.org/officeDocument/2006/math">
+                      <m:r>
+                        <a:rPr lang="fr-FR" sz="1000" b="0" i="1" smtClean="0">
+                          <a:latin typeface="Cambria Math"/>
+                        </a:rPr>
+                        <m:t>𝐶</m:t>
+                      </m:r>
+                    </m:oMath>
+                  </m:oMathPara>
+                </a14:m>
+                <a:endParaRPr lang="fr-FR" sz="1000" dirty="0"/>
+              </a:p>
+            </p:txBody>
+          </p:sp>
+        </mc:Choice>
+        <mc:Fallback xmlns="">
+          <p:sp>
+            <p:nvSpPr>
+              <p:cNvPr id="66" name="ZoneTexte 65"/>
+              <p:cNvSpPr txBox="1">
+                <a:spLocks noRot="1" noChangeAspect="1" noMove="1" noResize="1" noEditPoints="1" noAdjustHandles="1" noChangeArrowheads="1" noChangeShapeType="1" noTextEdit="1"/>
+              </p:cNvSpPr>
+              <p:nvPr/>
+            </p:nvSpPr>
+            <p:spPr>
+              <a:xfrm>
+                <a:off x="1145535" y="4395249"/>
+                <a:ext cx="302519" cy="246221"/>
+              </a:xfrm>
+              <a:prstGeom prst="rect">
+                <a:avLst/>
+              </a:prstGeom>
+              <a:blipFill rotWithShape="1">
+                <a:blip r:embed="rId11"/>
+                <a:stretch>
+                  <a:fillRect/>
+                </a:stretch>
+              </a:blipFill>
+            </p:spPr>
+            <p:txBody>
+              <a:bodyPr/>
+              <a:lstStyle/>
+              <a:p>
+                <a:r>
+                  <a:rPr lang="fr-FR">
+                    <a:noFill/>
+                  </a:rPr>
+                  <a:t> </a:t>
+                </a:r>
+              </a:p>
+            </p:txBody>
+          </p:sp>
+        </mc:Fallback>
+      </mc:AlternateContent>
+      <mc:AlternateContent xmlns:mc="http://schemas.openxmlformats.org/markup-compatibility/2006" xmlns:a14="http://schemas.microsoft.com/office/drawing/2010/main">
+        <mc:Choice Requires="a14">
+          <p:sp>
+            <p:nvSpPr>
+              <p:cNvPr id="67" name="ZoneTexte 66"/>
+              <p:cNvSpPr txBox="1"/>
+              <p:nvPr/>
+            </p:nvSpPr>
+            <p:spPr>
+              <a:xfrm>
+                <a:off x="785375" y="4776540"/>
+                <a:ext cx="311880" cy="246221"/>
+              </a:xfrm>
+              <a:prstGeom prst="rect">
+                <a:avLst/>
+              </a:prstGeom>
+              <a:noFill/>
+            </p:spPr>
+            <p:txBody>
+              <a:bodyPr wrap="none" rtlCol="0">
+                <a:spAutoFit/>
+              </a:bodyPr>
+              <a:lstStyle/>
+              <a:p>
+                <a:pPr/>
+                <a14:m>
+                  <m:oMathPara xmlns:m="http://schemas.openxmlformats.org/officeDocument/2006/math">
+                    <m:oMathParaPr>
+                      <m:jc m:val="centerGroup"/>
+                    </m:oMathParaPr>
+                    <m:oMath xmlns:m="http://schemas.openxmlformats.org/officeDocument/2006/math">
+                      <m:r>
+                        <a:rPr lang="fr-FR" sz="1000" b="0" i="1" smtClean="0">
+                          <a:latin typeface="Cambria Math"/>
+                        </a:rPr>
+                        <m:t>𝐷</m:t>
+                      </m:r>
+                    </m:oMath>
+                  </m:oMathPara>
+                </a14:m>
+                <a:endParaRPr lang="fr-FR" sz="1000" dirty="0"/>
+              </a:p>
+            </p:txBody>
+          </p:sp>
+        </mc:Choice>
+        <mc:Fallback xmlns="">
+          <p:sp>
+            <p:nvSpPr>
+              <p:cNvPr id="67" name="ZoneTexte 66"/>
+              <p:cNvSpPr txBox="1">
+                <a:spLocks noRot="1" noChangeAspect="1" noMove="1" noResize="1" noEditPoints="1" noAdjustHandles="1" noChangeArrowheads="1" noChangeShapeType="1" noTextEdit="1"/>
+              </p:cNvSpPr>
+              <p:nvPr/>
+            </p:nvSpPr>
+            <p:spPr>
+              <a:xfrm>
+                <a:off x="785375" y="4776540"/>
+                <a:ext cx="311880" cy="246221"/>
+              </a:xfrm>
+              <a:prstGeom prst="rect">
+                <a:avLst/>
+              </a:prstGeom>
+              <a:blipFill rotWithShape="1">
+                <a:blip r:embed="rId12"/>
+                <a:stretch>
+                  <a:fillRect/>
+                </a:stretch>
+              </a:blipFill>
+            </p:spPr>
+            <p:txBody>
+              <a:bodyPr/>
+              <a:lstStyle/>
+              <a:p>
+                <a:r>
+                  <a:rPr lang="fr-FR">
+                    <a:noFill/>
+                  </a:rPr>
+                  <a:t> </a:t>
+                </a:r>
+              </a:p>
+            </p:txBody>
+          </p:sp>
+        </mc:Fallback>
+      </mc:AlternateContent>
+      <mc:AlternateContent xmlns:mc="http://schemas.openxmlformats.org/markup-compatibility/2006" xmlns:a14="http://schemas.microsoft.com/office/drawing/2010/main">
+        <mc:Choice Requires="a14">
+          <p:sp>
+            <p:nvSpPr>
+              <p:cNvPr id="68" name="ZoneTexte 67"/>
+              <p:cNvSpPr txBox="1"/>
+              <p:nvPr/>
+            </p:nvSpPr>
+            <p:spPr>
+              <a:xfrm>
+                <a:off x="373915" y="5239372"/>
+                <a:ext cx="305084" cy="246221"/>
+              </a:xfrm>
+              <a:prstGeom prst="rect">
+                <a:avLst/>
+              </a:prstGeom>
+              <a:noFill/>
+            </p:spPr>
+            <p:txBody>
+              <a:bodyPr wrap="none" rtlCol="0">
+                <a:spAutoFit/>
+              </a:bodyPr>
+              <a:lstStyle/>
+              <a:p>
+                <a:pPr/>
+                <a14:m>
+                  <m:oMathPara xmlns:m="http://schemas.openxmlformats.org/officeDocument/2006/math">
+                    <m:oMathParaPr>
+                      <m:jc m:val="centerGroup"/>
+                    </m:oMathParaPr>
+                    <m:oMath xmlns:m="http://schemas.openxmlformats.org/officeDocument/2006/math">
+                      <m:r>
+                        <a:rPr lang="fr-FR" sz="1000" b="0" i="1" smtClean="0">
+                          <a:latin typeface="Cambria Math"/>
+                        </a:rPr>
+                        <m:t>𝐸</m:t>
+                      </m:r>
+                    </m:oMath>
+                  </m:oMathPara>
+                </a14:m>
+                <a:endParaRPr lang="fr-FR" sz="1000" dirty="0"/>
+              </a:p>
+            </p:txBody>
+          </p:sp>
+        </mc:Choice>
+        <mc:Fallback xmlns="">
+          <p:sp>
+            <p:nvSpPr>
+              <p:cNvPr id="68" name="ZoneTexte 67"/>
+              <p:cNvSpPr txBox="1">
+                <a:spLocks noRot="1" noChangeAspect="1" noMove="1" noResize="1" noEditPoints="1" noAdjustHandles="1" noChangeArrowheads="1" noChangeShapeType="1" noTextEdit="1"/>
+              </p:cNvSpPr>
+              <p:nvPr/>
+            </p:nvSpPr>
+            <p:spPr>
+              <a:xfrm>
+                <a:off x="373915" y="5239372"/>
+                <a:ext cx="305084" cy="246221"/>
+              </a:xfrm>
+              <a:prstGeom prst="rect">
+                <a:avLst/>
+              </a:prstGeom>
+              <a:blipFill rotWithShape="1">
+                <a:blip r:embed="rId13"/>
+                <a:stretch>
+                  <a:fillRect/>
+                </a:stretch>
+              </a:blipFill>
+            </p:spPr>
+            <p:txBody>
+              <a:bodyPr/>
+              <a:lstStyle/>
+              <a:p>
+                <a:r>
+                  <a:rPr lang="fr-FR">
+                    <a:noFill/>
+                  </a:rPr>
+                  <a:t> </a:t>
+                </a:r>
+              </a:p>
+            </p:txBody>
+          </p:sp>
+        </mc:Fallback>
+      </mc:AlternateContent>
+      <mc:AlternateContent xmlns:mc="http://schemas.openxmlformats.org/markup-compatibility/2006" xmlns:a14="http://schemas.microsoft.com/office/drawing/2010/main">
+        <mc:Choice Requires="a14">
+          <p:sp>
+            <p:nvSpPr>
+              <p:cNvPr id="69" name="ZoneTexte 68"/>
+              <p:cNvSpPr txBox="1"/>
+              <p:nvPr/>
+            </p:nvSpPr>
+            <p:spPr>
+              <a:xfrm>
+                <a:off x="737465" y="5158308"/>
+                <a:ext cx="272062" cy="246221"/>
+              </a:xfrm>
+              <a:prstGeom prst="rect">
+                <a:avLst/>
+              </a:prstGeom>
+              <a:noFill/>
+            </p:spPr>
+            <p:txBody>
+              <a:bodyPr wrap="none" rtlCol="0">
+                <a:spAutoFit/>
+              </a:bodyPr>
+              <a:lstStyle/>
+              <a:p>
+                <a:pPr/>
+                <a14:m>
+                  <m:oMathPara xmlns:m="http://schemas.openxmlformats.org/officeDocument/2006/math">
+                    <m:oMathParaPr>
+                      <m:jc m:val="centerGroup"/>
+                    </m:oMathParaPr>
+                    <m:oMath xmlns:m="http://schemas.openxmlformats.org/officeDocument/2006/math">
+                      <m:r>
+                        <a:rPr lang="fr-FR" sz="1000" b="0" i="1" smtClean="0">
+                          <a:latin typeface="Cambria Math"/>
+                        </a:rPr>
+                        <m:t>𝐼</m:t>
+                      </m:r>
+                    </m:oMath>
+                  </m:oMathPara>
+                </a14:m>
+                <a:endParaRPr lang="fr-FR" sz="1000" dirty="0"/>
+              </a:p>
+            </p:txBody>
+          </p:sp>
+        </mc:Choice>
+        <mc:Fallback xmlns="">
+          <p:sp>
+            <p:nvSpPr>
+              <p:cNvPr id="69" name="ZoneTexte 68"/>
+              <p:cNvSpPr txBox="1">
+                <a:spLocks noRot="1" noChangeAspect="1" noMove="1" noResize="1" noEditPoints="1" noAdjustHandles="1" noChangeArrowheads="1" noChangeShapeType="1" noTextEdit="1"/>
+              </p:cNvSpPr>
+              <p:nvPr/>
+            </p:nvSpPr>
+            <p:spPr>
+              <a:xfrm>
+                <a:off x="737465" y="5158308"/>
+                <a:ext cx="272062" cy="246221"/>
+              </a:xfrm>
+              <a:prstGeom prst="rect">
+                <a:avLst/>
+              </a:prstGeom>
+              <a:blipFill rotWithShape="1">
+                <a:blip r:embed="rId14"/>
+                <a:stretch>
+                  <a:fillRect/>
+                </a:stretch>
+              </a:blipFill>
+            </p:spPr>
+            <p:txBody>
+              <a:bodyPr/>
+              <a:lstStyle/>
+              <a:p>
+                <a:r>
+                  <a:rPr lang="fr-FR">
+                    <a:noFill/>
+                  </a:rPr>
+                  <a:t> </a:t>
+                </a:r>
+              </a:p>
+            </p:txBody>
+          </p:sp>
+        </mc:Fallback>
+      </mc:AlternateContent>
+    </p:spTree>
+    <p:extLst>
+      <p:ext uri="{BB962C8B-B14F-4D97-AF65-F5344CB8AC3E}">
+        <p14:creationId xmlns:p14="http://schemas.microsoft.com/office/powerpoint/2010/main" val="2784180741"/>
+      </p:ext>
+    </p:extLst>
+  </p:cSld>
+  <p:clrMapOvr>
+    <a:masterClrMapping/>
+  </p:clrMapOvr>
+</p:sld>
+</file>
+
+<file path=ppt/slides/slide5.xml><?xml version="1.0" encoding="utf-8"?>
+<p:sld xmlns:a="http://schemas.openxmlformats.org/drawingml/2006/main" xmlns:r="http://schemas.openxmlformats.org/officeDocument/2006/relationships" xmlns:p="http://schemas.openxmlformats.org/presentationml/2006/main">
+  <p:cSld>
+    <p:spTree>
+      <p:nvGrpSpPr>
+        <p:cNvPr id="1" name=""/>
+        <p:cNvGrpSpPr/>
+        <p:nvPr/>
+      </p:nvGrpSpPr>
+      <p:grpSpPr>
+        <a:xfrm>
+          <a:off x="0" y="0"/>
+          <a:ext cx="0" cy="0"/>
+          <a:chOff x="0" y="0"/>
+          <a:chExt cx="0" cy="0"/>
+        </a:xfrm>
+      </p:grpSpPr>
       <p:sp>
         <p:nvSpPr>
           <p:cNvPr id="2" name="Titre 1"/>
@@ -19504,7 +23409,7 @@
             <a:fld id="{3F1D8263-54E8-442D-88B4-DA252C595E3D}" type="slidenum">
               <a:rPr lang="fr-FR" smtClean="0"/>
               <a:pPr/>
-              <a:t>4</a:t>
+              <a:t>5</a:t>
             </a:fld>
             <a:endParaRPr lang="fr-FR"/>
           </a:p>
@@ -19610,7 +23515,7 @@
 </p:sld>
 </file>
 
-<file path=ppt/slides/slide5.xml><?xml version="1.0" encoding="utf-8"?>
+<file path=ppt/slides/slide6.xml><?xml version="1.0" encoding="utf-8"?>
 <p:sld xmlns:a="http://schemas.openxmlformats.org/drawingml/2006/main" xmlns:r="http://schemas.openxmlformats.org/officeDocument/2006/relationships" xmlns:p="http://schemas.openxmlformats.org/presentationml/2006/main">
   <p:cSld>
     <p:spTree>
@@ -19674,7 +23579,7 @@
             <a:fld id="{3F1D8263-54E8-442D-88B4-DA252C595E3D}" type="slidenum">
               <a:rPr lang="fr-FR" smtClean="0"/>
               <a:pPr/>
-              <a:t>5</a:t>
+              <a:t>6</a:t>
             </a:fld>
             <a:endParaRPr lang="fr-FR"/>
           </a:p>
@@ -22969,7 +26874,7 @@
 </p:sld>
 </file>
 
-<file path=ppt/slides/slide6.xml><?xml version="1.0" encoding="utf-8"?>
+<file path=ppt/slides/slide7.xml><?xml version="1.0" encoding="utf-8"?>
 <p:sld xmlns:a="http://schemas.openxmlformats.org/drawingml/2006/main" xmlns:r="http://schemas.openxmlformats.org/officeDocument/2006/relationships" xmlns:p="http://schemas.openxmlformats.org/presentationml/2006/main">
   <p:cSld>
     <p:spTree>
@@ -23033,7 +26938,7 @@
             <a:fld id="{3F1D8263-54E8-442D-88B4-DA252C595E3D}" type="slidenum">
               <a:rPr lang="fr-FR" smtClean="0"/>
               <a:pPr/>
-              <a:t>6</a:t>
+              <a:t>7</a:t>
             </a:fld>
             <a:endParaRPr lang="fr-FR"/>
           </a:p>
@@ -23408,7 +27313,7 @@
 </p:sld>
 </file>
 
-<file path=ppt/slides/slide7.xml><?xml version="1.0" encoding="utf-8"?>
+<file path=ppt/slides/slide8.xml><?xml version="1.0" encoding="utf-8"?>
 <p:sld xmlns:a="http://schemas.openxmlformats.org/drawingml/2006/main" xmlns:r="http://schemas.openxmlformats.org/officeDocument/2006/relationships" xmlns:p="http://schemas.openxmlformats.org/presentationml/2006/main">
   <p:cSld>
     <p:spTree>
@@ -23472,7 +27377,7 @@
             <a:fld id="{3F1D8263-54E8-442D-88B4-DA252C595E3D}" type="slidenum">
               <a:rPr lang="fr-FR" smtClean="0"/>
               <a:pPr/>
-              <a:t>7</a:t>
+              <a:t>8</a:t>
             </a:fld>
             <a:endParaRPr lang="fr-FR"/>
           </a:p>
@@ -23732,7 +27637,7 @@
 </p:sld>
 </file>
 
-<file path=ppt/slides/slide8.xml><?xml version="1.0" encoding="utf-8"?>
+<file path=ppt/slides/slide9.xml><?xml version="1.0" encoding="utf-8"?>
 <p:sld xmlns:a="http://schemas.openxmlformats.org/drawingml/2006/main" xmlns:r="http://schemas.openxmlformats.org/officeDocument/2006/relationships" xmlns:p="http://schemas.openxmlformats.org/presentationml/2006/main">
   <p:cSld>
     <p:spTree>
@@ -23796,7 +27701,7 @@
             <a:fld id="{3F1D8263-54E8-442D-88B4-DA252C595E3D}" type="slidenum">
               <a:rPr lang="fr-FR" smtClean="0"/>
               <a:pPr/>
-              <a:t>8</a:t>
+              <a:t>9</a:t>
             </a:fld>
             <a:endParaRPr lang="fr-FR"/>
           </a:p>
@@ -23885,349 +27790,6 @@
     <p:extLst>
       <p:ext uri="{BB962C8B-B14F-4D97-AF65-F5344CB8AC3E}">
         <p14:creationId xmlns:p14="http://schemas.microsoft.com/office/powerpoint/2010/main" val="1640904535"/>
-      </p:ext>
-    </p:extLst>
-  </p:cSld>
-  <p:clrMapOvr>
-    <a:masterClrMapping/>
-  </p:clrMapOvr>
-  <p:timing>
-    <p:tnLst>
-      <p:par>
-        <p:cTn id="1" dur="indefinite" restart="never" nodeType="tmRoot"/>
-      </p:par>
-    </p:tnLst>
-  </p:timing>
-</p:sld>
-</file>
-
-<file path=ppt/slides/slide9.xml><?xml version="1.0" encoding="utf-8"?>
-<p:sld xmlns:a="http://schemas.openxmlformats.org/drawingml/2006/main" xmlns:r="http://schemas.openxmlformats.org/officeDocument/2006/relationships" xmlns:p="http://schemas.openxmlformats.org/presentationml/2006/main">
-  <p:cSld>
-    <p:spTree>
-      <p:nvGrpSpPr>
-        <p:cNvPr id="1" name=""/>
-        <p:cNvGrpSpPr/>
-        <p:nvPr/>
-      </p:nvGrpSpPr>
-      <p:grpSpPr>
-        <a:xfrm>
-          <a:off x="0" y="0"/>
-          <a:ext cx="0" cy="0"/>
-          <a:chOff x="0" y="0"/>
-          <a:chExt cx="0" cy="0"/>
-        </a:xfrm>
-      </p:grpSpPr>
-      <p:sp>
-        <p:nvSpPr>
-          <p:cNvPr id="2" name="Titre 1"/>
-          <p:cNvSpPr>
-            <a:spLocks noGrp="1"/>
-          </p:cNvSpPr>
-          <p:nvPr>
-            <p:ph type="title"/>
-          </p:nvPr>
-        </p:nvSpPr>
-        <p:spPr>
-          <a:xfrm>
-            <a:off x="457200" y="152400"/>
-            <a:ext cx="8219256" cy="990600"/>
-          </a:xfrm>
-        </p:spPr>
-        <p:txBody>
-          <a:bodyPr>
-            <a:normAutofit/>
-          </a:bodyPr>
-          <a:lstStyle/>
-          <a:p>
-            <a:r>
-              <a:rPr lang="fr-FR" sz="2800" dirty="0"/>
-              <a:t>Caractérisation du frottement fluide</a:t>
-            </a:r>
-          </a:p>
-        </p:txBody>
-      </p:sp>
-      <p:sp>
-        <p:nvSpPr>
-          <p:cNvPr id="3" name="Espace réservé du numéro de diapositive 2"/>
-          <p:cNvSpPr>
-            <a:spLocks noGrp="1"/>
-          </p:cNvSpPr>
-          <p:nvPr>
-            <p:ph type="sldNum" sz="quarter" idx="12"/>
-          </p:nvPr>
-        </p:nvSpPr>
-        <p:spPr/>
-        <p:txBody>
-          <a:bodyPr/>
-          <a:lstStyle/>
-          <a:p>
-            <a:fld id="{3F1D8263-54E8-442D-88B4-DA252C595E3D}" type="slidenum">
-              <a:rPr lang="fr-FR" smtClean="0"/>
-              <a:pPr/>
-              <a:t>9</a:t>
-            </a:fld>
-            <a:endParaRPr lang="fr-FR"/>
-          </a:p>
-        </p:txBody>
-      </p:sp>
-      <mc:AlternateContent xmlns:mc="http://schemas.openxmlformats.org/markup-compatibility/2006" xmlns:a14="http://schemas.microsoft.com/office/drawing/2010/main">
-        <mc:Choice Requires="a14">
-          <p:sp>
-            <p:nvSpPr>
-              <p:cNvPr id="4" name="Espace réservé du contenu 3"/>
-              <p:cNvSpPr>
-                <a:spLocks noGrp="1"/>
-              </p:cNvSpPr>
-              <p:nvPr>
-                <p:ph sz="quarter" idx="1"/>
-              </p:nvPr>
-            </p:nvSpPr>
-            <p:spPr>
-              <a:xfrm>
-                <a:off x="457200" y="1219200"/>
-                <a:ext cx="8363272" cy="4937760"/>
-              </a:xfrm>
-            </p:spPr>
-            <p:txBody>
-              <a:bodyPr>
-                <a:normAutofit/>
-              </a:bodyPr>
-              <a:lstStyle/>
-              <a:p>
-                <a:r>
-                  <a:rPr lang="fr-FR" dirty="0"/>
-                  <a:t>Hypothèse : modèle de frottement fluide </a:t>
-                </a:r>
-                <a14:m>
-                  <m:oMath xmlns:m="http://schemas.openxmlformats.org/officeDocument/2006/math">
-                    <m:sSub>
-                      <m:sSubPr>
-                        <m:ctrlPr>
-                          <a:rPr lang="fr-FR" b="0" i="1" smtClean="0">
-                            <a:latin typeface="Cambria Math"/>
-                          </a:rPr>
-                        </m:ctrlPr>
-                      </m:sSubPr>
-                      <m:e>
-                        <m:r>
-                          <a:rPr lang="fr-FR" b="0" i="1" smtClean="0">
-                            <a:latin typeface="Cambria Math" panose="02040503050406030204" pitchFamily="18" charset="0"/>
-                          </a:rPr>
-                          <m:t>𝐶</m:t>
-                        </m:r>
-                      </m:e>
-                      <m:sub>
-                        <m:r>
-                          <a:rPr lang="fr-FR" b="0" i="1" smtClean="0">
-                            <a:latin typeface="Cambria Math" panose="02040503050406030204" pitchFamily="18" charset="0"/>
-                          </a:rPr>
-                          <m:t>𝑣</m:t>
-                        </m:r>
-                      </m:sub>
-                    </m:sSub>
-                    <m:r>
-                      <a:rPr lang="fr-FR" b="0" i="1" smtClean="0">
-                        <a:latin typeface="Cambria Math" panose="02040503050406030204" pitchFamily="18" charset="0"/>
-                      </a:rPr>
-                      <m:t>=</m:t>
-                    </m:r>
-                    <m:sSub>
-                      <m:sSubPr>
-                        <m:ctrlPr>
-                          <a:rPr lang="fr-FR" b="0" i="1" smtClean="0">
-                            <a:latin typeface="Cambria Math"/>
-                          </a:rPr>
-                        </m:ctrlPr>
-                      </m:sSubPr>
-                      <m:e>
-                        <m:r>
-                          <a:rPr lang="fr-FR" b="0" i="1" smtClean="0">
-                            <a:latin typeface="Cambria Math" panose="02040503050406030204" pitchFamily="18" charset="0"/>
-                          </a:rPr>
-                          <m:t>𝑘</m:t>
-                        </m:r>
-                      </m:e>
-                      <m:sub>
-                        <m:r>
-                          <a:rPr lang="fr-FR" b="0" i="1" smtClean="0">
-                            <a:latin typeface="Cambria Math" panose="02040503050406030204" pitchFamily="18" charset="0"/>
-                          </a:rPr>
-                          <m:t>𝑣</m:t>
-                        </m:r>
-                      </m:sub>
-                    </m:sSub>
-                    <m:r>
-                      <a:rPr lang="fr-FR" b="0" i="1" smtClean="0">
-                        <a:latin typeface="Cambria Math" panose="02040503050406030204" pitchFamily="18" charset="0"/>
-                      </a:rPr>
-                      <m:t>𝜔</m:t>
-                    </m:r>
-                  </m:oMath>
-                </a14:m>
-                <a:endParaRPr lang="fr-FR" dirty="0"/>
-              </a:p>
-              <a:p>
-                <a:pPr lvl="2"/>
-                <a:r>
-                  <a:rPr lang="fr-FR" dirty="0"/>
-                  <a:t>Expérimentation possible : </a:t>
-                </a:r>
-                <a:endParaRPr lang="fr-FR" dirty="0" smtClean="0"/>
-              </a:p>
-              <a:p>
-                <a:pPr lvl="3"/>
-                <a:r>
-                  <a:rPr lang="fr-FR" dirty="0" smtClean="0"/>
-                  <a:t>1</a:t>
-                </a:r>
-              </a:p>
-              <a:p>
-                <a:pPr lvl="4"/>
-                <a:r>
-                  <a:rPr lang="fr-FR" dirty="0" smtClean="0"/>
-                  <a:t>Chute libre d’une masse</a:t>
-                </a:r>
-              </a:p>
-              <a:p>
-                <a:pPr lvl="3"/>
-                <a:r>
-                  <a:rPr lang="fr-FR" dirty="0"/>
-                  <a:t>2</a:t>
-                </a:r>
-              </a:p>
-              <a:p>
-                <a:pPr lvl="4"/>
-                <a:r>
-                  <a:rPr lang="fr-FR" dirty="0"/>
-                  <a:t>Piloter la cheville à vitesse constante (en RP)</a:t>
-                </a:r>
-              </a:p>
-              <a:p>
-                <a:pPr lvl="4"/>
-                <a:r>
-                  <a:rPr lang="fr-FR" dirty="0"/>
-                  <a:t>Mesurer le couple en utilisant le courant consommé par le moteur</a:t>
-                </a:r>
-              </a:p>
-              <a:p>
-                <a:pPr lvl="3"/>
-                <a:endParaRPr lang="fr-FR" dirty="0"/>
-              </a:p>
-              <a:p>
-                <a:pPr lvl="2"/>
-                <a:r>
-                  <a:rPr lang="fr-FR" dirty="0"/>
-                  <a:t>Résultat : on trace une courbe avec </a:t>
-                </a:r>
-                <a14:m>
-                  <m:oMath xmlns:m="http://schemas.openxmlformats.org/officeDocument/2006/math">
-                    <m:sSub>
-                      <m:sSubPr>
-                        <m:ctrlPr>
-                          <a:rPr lang="fr-FR" i="1">
-                            <a:latin typeface="Cambria Math"/>
-                          </a:rPr>
-                        </m:ctrlPr>
-                      </m:sSubPr>
-                      <m:e>
-                        <m:r>
-                          <a:rPr lang="fr-FR" i="1">
-                            <a:latin typeface="Cambria Math" panose="02040503050406030204" pitchFamily="18" charset="0"/>
-                          </a:rPr>
-                          <m:t>𝐶</m:t>
-                        </m:r>
-                      </m:e>
-                      <m:sub>
-                        <m:r>
-                          <a:rPr lang="fr-FR" i="1">
-                            <a:latin typeface="Cambria Math" panose="02040503050406030204" pitchFamily="18" charset="0"/>
-                          </a:rPr>
-                          <m:t>𝑣</m:t>
-                        </m:r>
-                      </m:sub>
-                    </m:sSub>
-                  </m:oMath>
-                </a14:m>
-                <a:r>
-                  <a:rPr lang="fr-FR" dirty="0"/>
-                  <a:t> en ordonnée et </a:t>
-                </a:r>
-                <a14:m>
-                  <m:oMath xmlns:m="http://schemas.openxmlformats.org/officeDocument/2006/math">
-                    <m:r>
-                      <a:rPr lang="fr-FR" i="1">
-                        <a:latin typeface="Cambria Math" panose="02040503050406030204" pitchFamily="18" charset="0"/>
-                      </a:rPr>
-                      <m:t>𝜔</m:t>
-                    </m:r>
-                  </m:oMath>
-                </a14:m>
-                <a:r>
-                  <a:rPr lang="fr-FR" dirty="0"/>
-                  <a:t> en abscisse. </a:t>
-                </a:r>
-              </a:p>
-              <a:p>
-                <a:pPr lvl="2"/>
-                <a:r>
-                  <a:rPr lang="fr-FR" dirty="0"/>
-                  <a:t>Si on observe une droite : l’ordonnée à l’origine est probablement le couple de frottement sec et la pente le coefficient de frottement visqueux. </a:t>
-                </a:r>
-              </a:p>
-              <a:p>
-                <a:pPr lvl="2"/>
-                <a:endParaRPr lang="fr-FR" dirty="0"/>
-              </a:p>
-              <a:p>
-                <a:pPr lvl="2"/>
-                <a:endParaRPr lang="fr-FR" dirty="0"/>
-              </a:p>
-            </p:txBody>
-          </p:sp>
-        </mc:Choice>
-        <mc:Fallback xmlns="">
-          <p:sp>
-            <p:nvSpPr>
-              <p:cNvPr id="4" name="Espace réservé du contenu 3"/>
-              <p:cNvSpPr>
-                <a:spLocks noGrp="1" noRot="1" noChangeAspect="1" noMove="1" noResize="1" noEditPoints="1" noAdjustHandles="1" noChangeArrowheads="1" noChangeShapeType="1" noTextEdit="1"/>
-              </p:cNvSpPr>
-              <p:nvPr>
-                <p:ph sz="quarter" idx="1"/>
-              </p:nvPr>
-            </p:nvSpPr>
-            <p:spPr>
-              <a:xfrm>
-                <a:off x="457200" y="1219200"/>
-                <a:ext cx="8363272" cy="4937760"/>
-              </a:xfrm>
-              <a:blipFill rotWithShape="1">
-                <a:blip r:embed="rId2"/>
-                <a:stretch>
-                  <a:fillRect l="-437" t="-988" r="-510"/>
-                </a:stretch>
-              </a:blipFill>
-            </p:spPr>
-            <p:txBody>
-              <a:bodyPr/>
-              <a:lstStyle/>
-              <a:p>
-                <a:r>
-                  <a:rPr lang="fr-FR">
-                    <a:noFill/>
-                  </a:rPr>
-                  <a:t> </a:t>
-                </a:r>
-              </a:p>
-            </p:txBody>
-          </p:sp>
-        </mc:Fallback>
-      </mc:AlternateContent>
-    </p:spTree>
-    <p:extLst>
-      <p:ext uri="{BB962C8B-B14F-4D97-AF65-F5344CB8AC3E}">
-        <p14:creationId xmlns:p14="http://schemas.microsoft.com/office/powerpoint/2010/main" val="3308247622"/>
       </p:ext>
     </p:extLst>
   </p:cSld>
